--- a/네트워크 구축(학습정리).pptx
+++ b/네트워크 구축(학습정리).pptx
@@ -19,6 +19,8 @@
     <p:sldId id="267" r:id="rId13"/>
     <p:sldId id="268" r:id="rId14"/>
     <p:sldId id="269" r:id="rId15"/>
+    <p:sldId id="270" r:id="rId16"/>
+    <p:sldId id="271" r:id="rId17"/>
   </p:sldIdLst>
   <p:sldSz cx="12192000" cy="6858000"/>
   <p:notesSz cx="6858000" cy="9144000"/>
@@ -117,6 +119,11 @@
       </a:defRPr>
     </a:lvl9pPr>
   </p:defaultTextStyle>
+  <p:extLst>
+    <p:ext uri="{EFAFB233-063F-42B5-8137-9DF3F51BA10A}">
+      <p15:sldGuideLst xmlns:p15="http://schemas.microsoft.com/office/powerpoint/2012/main"/>
+    </p:ext>
+  </p:extLst>
 </p:presentation>
 </file>
 
@@ -251,7 +258,7 @@
           <a:p>
             <a:fld id="{34080446-D90F-47A4-A7C2-8402561D020B}" type="datetimeFigureOut">
               <a:rPr lang="ko-KR" altLang="en-US" smtClean="0"/>
-              <a:t>2025-06-10</a:t>
+              <a:t>2025-06-17</a:t>
             </a:fld>
             <a:endParaRPr lang="ko-KR" altLang="en-US"/>
           </a:p>
@@ -421,7 +428,7 @@
           <a:p>
             <a:fld id="{34080446-D90F-47A4-A7C2-8402561D020B}" type="datetimeFigureOut">
               <a:rPr lang="ko-KR" altLang="en-US" smtClean="0"/>
-              <a:t>2025-06-10</a:t>
+              <a:t>2025-06-17</a:t>
             </a:fld>
             <a:endParaRPr lang="ko-KR" altLang="en-US"/>
           </a:p>
@@ -601,7 +608,7 @@
           <a:p>
             <a:fld id="{34080446-D90F-47A4-A7C2-8402561D020B}" type="datetimeFigureOut">
               <a:rPr lang="ko-KR" altLang="en-US" smtClean="0"/>
-              <a:t>2025-06-10</a:t>
+              <a:t>2025-06-17</a:t>
             </a:fld>
             <a:endParaRPr lang="ko-KR" altLang="en-US"/>
           </a:p>
@@ -771,7 +778,7 @@
           <a:p>
             <a:fld id="{34080446-D90F-47A4-A7C2-8402561D020B}" type="datetimeFigureOut">
               <a:rPr lang="ko-KR" altLang="en-US" smtClean="0"/>
-              <a:t>2025-06-10</a:t>
+              <a:t>2025-06-17</a:t>
             </a:fld>
             <a:endParaRPr lang="ko-KR" altLang="en-US"/>
           </a:p>
@@ -1017,7 +1024,7 @@
           <a:p>
             <a:fld id="{34080446-D90F-47A4-A7C2-8402561D020B}" type="datetimeFigureOut">
               <a:rPr lang="ko-KR" altLang="en-US" smtClean="0"/>
-              <a:t>2025-06-10</a:t>
+              <a:t>2025-06-17</a:t>
             </a:fld>
             <a:endParaRPr lang="ko-KR" altLang="en-US"/>
           </a:p>
@@ -1249,7 +1256,7 @@
           <a:p>
             <a:fld id="{34080446-D90F-47A4-A7C2-8402561D020B}" type="datetimeFigureOut">
               <a:rPr lang="ko-KR" altLang="en-US" smtClean="0"/>
-              <a:t>2025-06-10</a:t>
+              <a:t>2025-06-17</a:t>
             </a:fld>
             <a:endParaRPr lang="ko-KR" altLang="en-US"/>
           </a:p>
@@ -1616,7 +1623,7 @@
           <a:p>
             <a:fld id="{34080446-D90F-47A4-A7C2-8402561D020B}" type="datetimeFigureOut">
               <a:rPr lang="ko-KR" altLang="en-US" smtClean="0"/>
-              <a:t>2025-06-10</a:t>
+              <a:t>2025-06-17</a:t>
             </a:fld>
             <a:endParaRPr lang="ko-KR" altLang="en-US"/>
           </a:p>
@@ -1734,7 +1741,7 @@
           <a:p>
             <a:fld id="{34080446-D90F-47A4-A7C2-8402561D020B}" type="datetimeFigureOut">
               <a:rPr lang="ko-KR" altLang="en-US" smtClean="0"/>
-              <a:t>2025-06-10</a:t>
+              <a:t>2025-06-17</a:t>
             </a:fld>
             <a:endParaRPr lang="ko-KR" altLang="en-US"/>
           </a:p>
@@ -1829,7 +1836,7 @@
           <a:p>
             <a:fld id="{34080446-D90F-47A4-A7C2-8402561D020B}" type="datetimeFigureOut">
               <a:rPr lang="ko-KR" altLang="en-US" smtClean="0"/>
-              <a:t>2025-06-10</a:t>
+              <a:t>2025-06-17</a:t>
             </a:fld>
             <a:endParaRPr lang="ko-KR" altLang="en-US"/>
           </a:p>
@@ -2106,7 +2113,7 @@
           <a:p>
             <a:fld id="{34080446-D90F-47A4-A7C2-8402561D020B}" type="datetimeFigureOut">
               <a:rPr lang="ko-KR" altLang="en-US" smtClean="0"/>
-              <a:t>2025-06-10</a:t>
+              <a:t>2025-06-17</a:t>
             </a:fld>
             <a:endParaRPr lang="ko-KR" altLang="en-US"/>
           </a:p>
@@ -2359,7 +2366,7 @@
           <a:p>
             <a:fld id="{34080446-D90F-47A4-A7C2-8402561D020B}" type="datetimeFigureOut">
               <a:rPr lang="ko-KR" altLang="en-US" smtClean="0"/>
-              <a:t>2025-06-10</a:t>
+              <a:t>2025-06-17</a:t>
             </a:fld>
             <a:endParaRPr lang="ko-KR" altLang="en-US"/>
           </a:p>
@@ -2572,7 +2579,7 @@
           <a:p>
             <a:fld id="{34080446-D90F-47A4-A7C2-8402561D020B}" type="datetimeFigureOut">
               <a:rPr lang="ko-KR" altLang="en-US" smtClean="0"/>
-              <a:t>2025-06-10</a:t>
+              <a:t>2025-06-17</a:t>
             </a:fld>
             <a:endParaRPr lang="ko-KR" altLang="en-US"/>
           </a:p>
@@ -3977,6 +3984,650 @@
 </p:sld>
 </file>
 
+<file path=ppt/slides/slide15.xml><?xml version="1.0" encoding="utf-8"?>
+<p:sld xmlns:a="http://schemas.openxmlformats.org/drawingml/2006/main" xmlns:r="http://schemas.openxmlformats.org/officeDocument/2006/relationships" xmlns:p="http://schemas.openxmlformats.org/presentationml/2006/main">
+  <p:cSld>
+    <p:spTree>
+      <p:nvGrpSpPr>
+        <p:cNvPr id="1" name=""/>
+        <p:cNvGrpSpPr/>
+        <p:nvPr/>
+      </p:nvGrpSpPr>
+      <p:grpSpPr>
+        <a:xfrm>
+          <a:off x="0" y="0"/>
+          <a:ext cx="0" cy="0"/>
+          <a:chOff x="0" y="0"/>
+          <a:chExt cx="0" cy="0"/>
+        </a:xfrm>
+      </p:grpSpPr>
+      <p:sp>
+        <p:nvSpPr>
+          <p:cNvPr id="2" name="제목 1"/>
+          <p:cNvSpPr>
+            <a:spLocks noGrp="1"/>
+          </p:cNvSpPr>
+          <p:nvPr>
+            <p:ph type="title"/>
+          </p:nvPr>
+        </p:nvSpPr>
+        <p:spPr/>
+        <p:txBody>
+          <a:bodyPr/>
+          <a:lstStyle/>
+          <a:p>
+            <a:r>
+              <a:rPr lang="en-US" altLang="ko-KR" dirty="0" smtClean="0"/>
+              <a:t>IP </a:t>
+            </a:r>
+            <a:r>
+              <a:rPr lang="ko-KR" altLang="en-US" dirty="0" smtClean="0"/>
+              <a:t>주소</a:t>
+            </a:r>
+            <a:endParaRPr lang="ko-KR" altLang="en-US" dirty="0"/>
+          </a:p>
+        </p:txBody>
+      </p:sp>
+      <p:graphicFrame>
+        <p:nvGraphicFramePr>
+          <p:cNvPr id="4" name="내용 개체 틀 3"/>
+          <p:cNvGraphicFramePr>
+            <a:graphicFrameLocks noGrp="1"/>
+          </p:cNvGraphicFramePr>
+          <p:nvPr>
+            <p:ph idx="1"/>
+            <p:extLst>
+              <p:ext uri="{D42A27DB-BD31-4B8C-83A1-F6EECF244321}">
+                <p14:modId xmlns:p14="http://schemas.microsoft.com/office/powerpoint/2010/main" val="4246780176"/>
+              </p:ext>
+            </p:extLst>
+          </p:nvPr>
+        </p:nvGraphicFramePr>
+        <p:xfrm>
+          <a:off x="838200" y="1728211"/>
+          <a:ext cx="10515600" cy="2286000"/>
+        </p:xfrm>
+        <a:graphic>
+          <a:graphicData uri="http://schemas.openxmlformats.org/drawingml/2006/table">
+            <a:tbl>
+              <a:tblPr firstRow="1" bandRow="1">
+                <a:tableStyleId>{5C22544A-7EE6-4342-B048-85BDC9FD1C3A}</a:tableStyleId>
+              </a:tblPr>
+              <a:tblGrid>
+                <a:gridCol w="2845037">
+                  <a:extLst>
+                    <a:ext uri="{9D8B030D-6E8A-4147-A177-3AD203B41FA5}">
+                      <a16:colId xmlns:a16="http://schemas.microsoft.com/office/drawing/2014/main" val="1321412095"/>
+                    </a:ext>
+                  </a:extLst>
+                </a:gridCol>
+                <a:gridCol w="3179036">
+                  <a:extLst>
+                    <a:ext uri="{9D8B030D-6E8A-4147-A177-3AD203B41FA5}">
+                      <a16:colId xmlns:a16="http://schemas.microsoft.com/office/drawing/2014/main" val="1112650195"/>
+                    </a:ext>
+                  </a:extLst>
+                </a:gridCol>
+                <a:gridCol w="4491527">
+                  <a:extLst>
+                    <a:ext uri="{9D8B030D-6E8A-4147-A177-3AD203B41FA5}">
+                      <a16:colId xmlns:a16="http://schemas.microsoft.com/office/drawing/2014/main" val="1974643978"/>
+                    </a:ext>
+                  </a:extLst>
+                </a:gridCol>
+              </a:tblGrid>
+              <a:tr h="409806">
+                <a:tc>
+                  <a:txBody>
+                    <a:bodyPr/>
+                    <a:lstStyle/>
+                    <a:p>
+                      <a:pPr algn="ctr" latinLnBrk="1"/>
+                      <a:r>
+                        <a:rPr lang="ko-KR" altLang="en-US" sz="2400" dirty="0" smtClean="0"/>
+                        <a:t>네트워크 구간</a:t>
+                      </a:r>
+                      <a:endParaRPr lang="ko-KR" altLang="en-US" sz="2400" dirty="0"/>
+                    </a:p>
+                  </a:txBody>
+                  <a:tcPr anchor="ctr"/>
+                </a:tc>
+                <a:tc>
+                  <a:txBody>
+                    <a:bodyPr/>
+                    <a:lstStyle/>
+                    <a:p>
+                      <a:pPr algn="ctr" latinLnBrk="1"/>
+                      <a:r>
+                        <a:rPr lang="ko-KR" altLang="en-US" sz="2400" dirty="0" smtClean="0"/>
+                        <a:t>호스트</a:t>
+                      </a:r>
+                      <a:r>
+                        <a:rPr lang="en-US" altLang="ko-KR" sz="2400" dirty="0" smtClean="0"/>
+                        <a:t>(</a:t>
+                      </a:r>
+                      <a:r>
+                        <a:rPr lang="ko-KR" altLang="en-US" sz="2400" dirty="0" err="1" smtClean="0"/>
+                        <a:t>장치명</a:t>
+                      </a:r>
+                      <a:r>
+                        <a:rPr lang="en-US" altLang="ko-KR" sz="2400" dirty="0" smtClean="0"/>
+                        <a:t>)</a:t>
+                      </a:r>
+                      <a:endParaRPr lang="ko-KR" altLang="en-US" sz="2400" dirty="0"/>
+                    </a:p>
+                  </a:txBody>
+                  <a:tcPr anchor="ctr"/>
+                </a:tc>
+                <a:tc>
+                  <a:txBody>
+                    <a:bodyPr/>
+                    <a:lstStyle/>
+                    <a:p>
+                      <a:pPr algn="ctr" latinLnBrk="1"/>
+                      <a:r>
+                        <a:rPr lang="en-US" altLang="ko-KR" sz="2400" dirty="0" smtClean="0"/>
+                        <a:t>IP </a:t>
+                      </a:r>
+                      <a:r>
+                        <a:rPr lang="ko-KR" altLang="en-US" sz="2400" dirty="0" smtClean="0"/>
+                        <a:t>주소</a:t>
+                      </a:r>
+                      <a:endParaRPr lang="ko-KR" altLang="en-US" sz="2400" dirty="0"/>
+                    </a:p>
+                  </a:txBody>
+                  <a:tcPr anchor="ctr"/>
+                </a:tc>
+                <a:extLst>
+                  <a:ext uri="{0D108BD9-81ED-4DB2-BD59-A6C34878D82A}">
+                    <a16:rowId xmlns:a16="http://schemas.microsoft.com/office/drawing/2014/main" val="1351892551"/>
+                  </a:ext>
+                </a:extLst>
+              </a:tr>
+              <a:tr h="409806">
+                <a:tc rowSpan="2">
+                  <a:txBody>
+                    <a:bodyPr/>
+                    <a:lstStyle/>
+                    <a:p>
+                      <a:pPr algn="ctr" latinLnBrk="1"/>
+                      <a:r>
+                        <a:rPr lang="en-US" altLang="ko-KR" sz="2400" dirty="0" smtClean="0"/>
+                        <a:t>192.168.0.0/24</a:t>
+                      </a:r>
+                      <a:endParaRPr lang="ko-KR" altLang="en-US" sz="2400" dirty="0"/>
+                    </a:p>
+                  </a:txBody>
+                  <a:tcPr anchor="ctr"/>
+                </a:tc>
+                <a:tc>
+                  <a:txBody>
+                    <a:bodyPr/>
+                    <a:lstStyle/>
+                    <a:p>
+                      <a:pPr algn="ctr" latinLnBrk="1"/>
+                      <a:r>
+                        <a:rPr lang="en-US" altLang="ko-KR" sz="2400" dirty="0" smtClean="0"/>
+                        <a:t>R1[F0/0.10]</a:t>
+                      </a:r>
+                      <a:endParaRPr lang="ko-KR" altLang="en-US" sz="2400" dirty="0"/>
+                    </a:p>
+                  </a:txBody>
+                  <a:tcPr anchor="ctr"/>
+                </a:tc>
+                <a:tc>
+                  <a:txBody>
+                    <a:bodyPr/>
+                    <a:lstStyle/>
+                    <a:p>
+                      <a:pPr algn="ctr" latinLnBrk="1"/>
+                      <a:r>
+                        <a:rPr lang="ko-KR" altLang="en-US" sz="2400" dirty="0" err="1" smtClean="0"/>
+                        <a:t>할당가능한</a:t>
+                      </a:r>
+                      <a:r>
+                        <a:rPr lang="ko-KR" altLang="en-US" sz="2400" dirty="0" smtClean="0"/>
+                        <a:t> 마지막 주소</a:t>
+                      </a:r>
+                      <a:endParaRPr lang="ko-KR" altLang="en-US" sz="2400" dirty="0"/>
+                    </a:p>
+                  </a:txBody>
+                  <a:tcPr anchor="ctr"/>
+                </a:tc>
+                <a:extLst>
+                  <a:ext uri="{0D108BD9-81ED-4DB2-BD59-A6C34878D82A}">
+                    <a16:rowId xmlns:a16="http://schemas.microsoft.com/office/drawing/2014/main" val="4236798190"/>
+                  </a:ext>
+                </a:extLst>
+              </a:tr>
+              <a:tr h="409806">
+                <a:tc vMerge="1">
+                  <a:txBody>
+                    <a:bodyPr/>
+                    <a:lstStyle/>
+                    <a:p>
+                      <a:pPr latinLnBrk="1"/>
+                      <a:endParaRPr lang="ko-KR" altLang="en-US" dirty="0"/>
+                    </a:p>
+                  </a:txBody>
+                  <a:tcPr/>
+                </a:tc>
+                <a:tc>
+                  <a:txBody>
+                    <a:bodyPr/>
+                    <a:lstStyle/>
+                    <a:p>
+                      <a:pPr algn="ctr" latinLnBrk="1"/>
+                      <a:r>
+                        <a:rPr lang="en-US" altLang="ko-KR" sz="2400" dirty="0" smtClean="0"/>
+                        <a:t>PC0</a:t>
+                      </a:r>
+                      <a:endParaRPr lang="ko-KR" altLang="en-US" sz="2400" dirty="0"/>
+                    </a:p>
+                  </a:txBody>
+                  <a:tcPr anchor="ctr"/>
+                </a:tc>
+                <a:tc>
+                  <a:txBody>
+                    <a:bodyPr/>
+                    <a:lstStyle/>
+                    <a:p>
+                      <a:pPr algn="ctr" latinLnBrk="1"/>
+                      <a:r>
+                        <a:rPr lang="ko-KR" altLang="en-US" sz="2400" dirty="0" err="1" smtClean="0"/>
+                        <a:t>할당가능한</a:t>
+                      </a:r>
+                      <a:r>
+                        <a:rPr lang="ko-KR" altLang="en-US" sz="2400" dirty="0" smtClean="0"/>
+                        <a:t> 첫 번째 주소</a:t>
+                      </a:r>
+                      <a:endParaRPr lang="ko-KR" altLang="en-US" sz="2400" dirty="0"/>
+                    </a:p>
+                  </a:txBody>
+                  <a:tcPr anchor="ctr"/>
+                </a:tc>
+                <a:extLst>
+                  <a:ext uri="{0D108BD9-81ED-4DB2-BD59-A6C34878D82A}">
+                    <a16:rowId xmlns:a16="http://schemas.microsoft.com/office/drawing/2014/main" val="2733771999"/>
+                  </a:ext>
+                </a:extLst>
+              </a:tr>
+              <a:tr h="409806">
+                <a:tc rowSpan="2">
+                  <a:txBody>
+                    <a:bodyPr/>
+                    <a:lstStyle/>
+                    <a:p>
+                      <a:pPr algn="ctr" latinLnBrk="1"/>
+                      <a:r>
+                        <a:rPr lang="en-US" altLang="ko-KR" sz="2400" dirty="0" smtClean="0"/>
+                        <a:t>192.168.10.0/25</a:t>
+                      </a:r>
+                      <a:endParaRPr lang="ko-KR" altLang="en-US" sz="2400" dirty="0"/>
+                    </a:p>
+                  </a:txBody>
+                  <a:tcPr anchor="ctr"/>
+                </a:tc>
+                <a:tc>
+                  <a:txBody>
+                    <a:bodyPr/>
+                    <a:lstStyle/>
+                    <a:p>
+                      <a:pPr algn="ctr" latinLnBrk="1"/>
+                      <a:r>
+                        <a:rPr lang="en-US" altLang="ko-KR" sz="2400" dirty="0" smtClean="0"/>
+                        <a:t>R1[F0/0.20]</a:t>
+                      </a:r>
+                      <a:endParaRPr lang="ko-KR" altLang="en-US" sz="2400" dirty="0"/>
+                    </a:p>
+                  </a:txBody>
+                  <a:tcPr anchor="ctr"/>
+                </a:tc>
+                <a:tc>
+                  <a:txBody>
+                    <a:bodyPr/>
+                    <a:lstStyle/>
+                    <a:p>
+                      <a:pPr algn="ctr" latinLnBrk="1"/>
+                      <a:r>
+                        <a:rPr lang="ko-KR" altLang="en-US" sz="2400" dirty="0" err="1" smtClean="0"/>
+                        <a:t>할당가능한</a:t>
+                      </a:r>
+                      <a:r>
+                        <a:rPr lang="ko-KR" altLang="en-US" sz="2400" dirty="0" smtClean="0"/>
+                        <a:t> 마지막 주소</a:t>
+                      </a:r>
+                      <a:endParaRPr lang="ko-KR" altLang="en-US" sz="2400" dirty="0"/>
+                    </a:p>
+                  </a:txBody>
+                  <a:tcPr anchor="ctr"/>
+                </a:tc>
+                <a:extLst>
+                  <a:ext uri="{0D108BD9-81ED-4DB2-BD59-A6C34878D82A}">
+                    <a16:rowId xmlns:a16="http://schemas.microsoft.com/office/drawing/2014/main" val="3329159017"/>
+                  </a:ext>
+                </a:extLst>
+              </a:tr>
+              <a:tr h="409806">
+                <a:tc vMerge="1">
+                  <a:txBody>
+                    <a:bodyPr/>
+                    <a:lstStyle/>
+                    <a:p>
+                      <a:pPr algn="ctr" latinLnBrk="1"/>
+                      <a:endParaRPr lang="ko-KR" altLang="en-US" dirty="0"/>
+                    </a:p>
+                  </a:txBody>
+                  <a:tcPr anchor="ctr"/>
+                </a:tc>
+                <a:tc>
+                  <a:txBody>
+                    <a:bodyPr/>
+                    <a:lstStyle/>
+                    <a:p>
+                      <a:pPr algn="ctr" latinLnBrk="1"/>
+                      <a:r>
+                        <a:rPr lang="en-US" altLang="ko-KR" sz="2400" dirty="0" smtClean="0"/>
+                        <a:t>PC1</a:t>
+                      </a:r>
+                      <a:endParaRPr lang="ko-KR" altLang="en-US" sz="2400" dirty="0"/>
+                    </a:p>
+                  </a:txBody>
+                  <a:tcPr anchor="ctr"/>
+                </a:tc>
+                <a:tc>
+                  <a:txBody>
+                    <a:bodyPr/>
+                    <a:lstStyle/>
+                    <a:p>
+                      <a:pPr algn="ctr" latinLnBrk="1"/>
+                      <a:r>
+                        <a:rPr lang="ko-KR" altLang="en-US" sz="2400" dirty="0" err="1" smtClean="0"/>
+                        <a:t>할당가능한</a:t>
+                      </a:r>
+                      <a:r>
+                        <a:rPr lang="ko-KR" altLang="en-US" sz="2400" dirty="0" smtClean="0"/>
+                        <a:t> 첫 번째 주소</a:t>
+                      </a:r>
+                      <a:endParaRPr lang="ko-KR" altLang="en-US" sz="2400" dirty="0"/>
+                    </a:p>
+                  </a:txBody>
+                  <a:tcPr anchor="ctr"/>
+                </a:tc>
+                <a:extLst>
+                  <a:ext uri="{0D108BD9-81ED-4DB2-BD59-A6C34878D82A}">
+                    <a16:rowId xmlns:a16="http://schemas.microsoft.com/office/drawing/2014/main" val="1853012858"/>
+                  </a:ext>
+                </a:extLst>
+              </a:tr>
+            </a:tbl>
+          </a:graphicData>
+        </a:graphic>
+      </p:graphicFrame>
+      <p:sp>
+        <p:nvSpPr>
+          <p:cNvPr id="5" name="TextBox 4"/>
+          <p:cNvSpPr txBox="1"/>
+          <p:nvPr/>
+        </p:nvSpPr>
+        <p:spPr>
+          <a:xfrm>
+            <a:off x="838200" y="4187439"/>
+            <a:ext cx="3281668" cy="2031325"/>
+          </a:xfrm>
+          <a:prstGeom prst="rect">
+            <a:avLst/>
+          </a:prstGeom>
+          <a:noFill/>
+        </p:spPr>
+        <p:txBody>
+          <a:bodyPr wrap="none" rtlCol="0">
+            <a:spAutoFit/>
+          </a:bodyPr>
+          <a:lstStyle/>
+          <a:p>
+            <a:pPr marL="342900" indent="-342900">
+              <a:buAutoNum type="arabicPeriod"/>
+            </a:pPr>
+            <a:r>
+              <a:rPr lang="en-US" altLang="ko-KR" dirty="0" smtClean="0"/>
+              <a:t>PC0</a:t>
+            </a:r>
+            <a:r>
+              <a:rPr lang="ko-KR" altLang="en-US" dirty="0" smtClean="0"/>
+              <a:t>의 </a:t>
+            </a:r>
+            <a:r>
+              <a:rPr lang="en-US" altLang="ko-KR" dirty="0" smtClean="0"/>
+              <a:t>IP </a:t>
+            </a:r>
+            <a:r>
+              <a:rPr lang="ko-KR" altLang="en-US" dirty="0" smtClean="0"/>
+              <a:t>주소는</a:t>
+            </a:r>
+            <a:r>
+              <a:rPr lang="en-US" altLang="ko-KR" dirty="0" smtClean="0"/>
+              <a:t>?</a:t>
+            </a:r>
+          </a:p>
+          <a:p>
+            <a:pPr marL="342900" indent="-342900">
+              <a:buAutoNum type="arabicPeriod"/>
+            </a:pPr>
+            <a:endParaRPr lang="en-US" altLang="ko-KR" dirty="0"/>
+          </a:p>
+          <a:p>
+            <a:pPr marL="342900" indent="-342900">
+              <a:buAutoNum type="arabicPeriod"/>
+            </a:pPr>
+            <a:r>
+              <a:rPr lang="en-US" altLang="ko-KR" dirty="0" smtClean="0"/>
+              <a:t>PC1</a:t>
+            </a:r>
+            <a:r>
+              <a:rPr lang="ko-KR" altLang="en-US" dirty="0" smtClean="0"/>
+              <a:t>의 </a:t>
+            </a:r>
+            <a:r>
+              <a:rPr lang="en-US" altLang="ko-KR" dirty="0" smtClean="0"/>
+              <a:t>IP </a:t>
+            </a:r>
+            <a:r>
+              <a:rPr lang="ko-KR" altLang="en-US" dirty="0" smtClean="0"/>
+              <a:t>주소는</a:t>
+            </a:r>
+            <a:r>
+              <a:rPr lang="en-US" altLang="ko-KR" dirty="0" smtClean="0"/>
+              <a:t>?</a:t>
+            </a:r>
+          </a:p>
+          <a:p>
+            <a:pPr marL="342900" indent="-342900">
+              <a:buAutoNum type="arabicPeriod"/>
+            </a:pPr>
+            <a:endParaRPr lang="en-US" altLang="ko-KR" dirty="0"/>
+          </a:p>
+          <a:p>
+            <a:pPr marL="342900" indent="-342900">
+              <a:buAutoNum type="arabicPeriod"/>
+            </a:pPr>
+            <a:r>
+              <a:rPr lang="en-US" altLang="ko-KR" dirty="0" smtClean="0"/>
+              <a:t>PC0</a:t>
+            </a:r>
+            <a:r>
+              <a:rPr lang="ko-KR" altLang="en-US" dirty="0" smtClean="0"/>
+              <a:t>의 게이트웨이 주소는</a:t>
+            </a:r>
+            <a:r>
+              <a:rPr lang="en-US" altLang="ko-KR" dirty="0" smtClean="0"/>
+              <a:t>?</a:t>
+            </a:r>
+          </a:p>
+          <a:p>
+            <a:pPr marL="342900" indent="-342900">
+              <a:buAutoNum type="arabicPeriod"/>
+            </a:pPr>
+            <a:endParaRPr lang="en-US" altLang="ko-KR" dirty="0"/>
+          </a:p>
+          <a:p>
+            <a:pPr marL="342900" indent="-342900">
+              <a:buAutoNum type="arabicPeriod"/>
+            </a:pPr>
+            <a:r>
+              <a:rPr lang="en-US" altLang="ko-KR" dirty="0" smtClean="0"/>
+              <a:t>PC1</a:t>
+            </a:r>
+            <a:r>
+              <a:rPr lang="ko-KR" altLang="en-US" dirty="0" smtClean="0"/>
+              <a:t>의 게이트웨이 주소는</a:t>
+            </a:r>
+            <a:r>
+              <a:rPr lang="en-US" altLang="ko-KR" dirty="0" smtClean="0"/>
+              <a:t>?</a:t>
+            </a:r>
+            <a:endParaRPr lang="ko-KR" altLang="en-US" dirty="0"/>
+          </a:p>
+        </p:txBody>
+      </p:sp>
+    </p:spTree>
+    <p:extLst>
+      <p:ext uri="{BB962C8B-B14F-4D97-AF65-F5344CB8AC3E}">
+        <p14:creationId xmlns:p14="http://schemas.microsoft.com/office/powerpoint/2010/main" val="1722195933"/>
+      </p:ext>
+    </p:extLst>
+  </p:cSld>
+  <p:clrMapOvr>
+    <a:masterClrMapping/>
+  </p:clrMapOvr>
+</p:sld>
+</file>
+
+<file path=ppt/slides/slide16.xml><?xml version="1.0" encoding="utf-8"?>
+<p:sld xmlns:a="http://schemas.openxmlformats.org/drawingml/2006/main" xmlns:r="http://schemas.openxmlformats.org/officeDocument/2006/relationships" xmlns:p="http://schemas.openxmlformats.org/presentationml/2006/main">
+  <p:cSld>
+    <p:spTree>
+      <p:nvGrpSpPr>
+        <p:cNvPr id="1" name=""/>
+        <p:cNvGrpSpPr/>
+        <p:nvPr/>
+      </p:nvGrpSpPr>
+      <p:grpSpPr>
+        <a:xfrm>
+          <a:off x="0" y="0"/>
+          <a:ext cx="0" cy="0"/>
+          <a:chOff x="0" y="0"/>
+          <a:chExt cx="0" cy="0"/>
+        </a:xfrm>
+      </p:grpSpPr>
+      <p:sp>
+        <p:nvSpPr>
+          <p:cNvPr id="2" name="제목 1"/>
+          <p:cNvSpPr>
+            <a:spLocks noGrp="1"/>
+          </p:cNvSpPr>
+          <p:nvPr>
+            <p:ph type="title"/>
+          </p:nvPr>
+        </p:nvSpPr>
+        <p:spPr/>
+        <p:txBody>
+          <a:bodyPr/>
+          <a:lstStyle/>
+          <a:p>
+            <a:r>
+              <a:rPr lang="en-US" altLang="ko-KR" dirty="0" smtClean="0"/>
+              <a:t>Inter-VLAN</a:t>
+            </a:r>
+            <a:endParaRPr lang="ko-KR" altLang="en-US" dirty="0"/>
+          </a:p>
+        </p:txBody>
+      </p:sp>
+      <p:sp>
+        <p:nvSpPr>
+          <p:cNvPr id="3" name="내용 개체 틀 2"/>
+          <p:cNvSpPr>
+            <a:spLocks noGrp="1"/>
+          </p:cNvSpPr>
+          <p:nvPr>
+            <p:ph idx="1"/>
+          </p:nvPr>
+        </p:nvSpPr>
+        <p:spPr/>
+        <p:txBody>
+          <a:bodyPr/>
+          <a:lstStyle/>
+          <a:p>
+            <a:r>
+              <a:rPr lang="ko-KR" altLang="en-US" dirty="0" smtClean="0"/>
+              <a:t>하나의 네트워크 토폴로지에서 소속 </a:t>
+            </a:r>
+            <a:r>
+              <a:rPr lang="en-US" altLang="ko-KR" dirty="0" smtClean="0"/>
+              <a:t>PC</a:t>
+            </a:r>
+            <a:r>
+              <a:rPr lang="ko-KR" altLang="en-US" dirty="0" smtClean="0"/>
+              <a:t>들의 데이터 전송 편리성을 위하여 </a:t>
+            </a:r>
+            <a:r>
+              <a:rPr lang="en-US" altLang="ko-KR" dirty="0" smtClean="0"/>
+              <a:t>VLAN</a:t>
+            </a:r>
+            <a:r>
+              <a:rPr lang="ko-KR" altLang="en-US" dirty="0" smtClean="0"/>
+              <a:t>을 설정할 필요에 의하여 상호 간에 데이터 패킷을 전송하기 위한 경로를 라우터에 설정해 주는 것을 말한다</a:t>
+            </a:r>
+            <a:r>
+              <a:rPr lang="en-US" altLang="ko-KR" dirty="0" smtClean="0"/>
+              <a:t>.</a:t>
+            </a:r>
+          </a:p>
+          <a:p>
+            <a:endParaRPr lang="en-US" altLang="ko-KR" dirty="0"/>
+          </a:p>
+          <a:p>
+            <a:r>
+              <a:rPr lang="ko-KR" altLang="en-US" dirty="0" smtClean="0"/>
+              <a:t>즉</a:t>
+            </a:r>
+            <a:r>
+              <a:rPr lang="en-US" altLang="ko-KR" dirty="0" smtClean="0"/>
+              <a:t>, </a:t>
+            </a:r>
+            <a:r>
+              <a:rPr lang="ko-KR" altLang="en-US" dirty="0" smtClean="0"/>
+              <a:t>서로 다른 </a:t>
+            </a:r>
+            <a:r>
+              <a:rPr lang="en-US" altLang="ko-KR" dirty="0" smtClean="0"/>
+              <a:t>VLAN</a:t>
+            </a:r>
+            <a:r>
+              <a:rPr lang="ko-KR" altLang="en-US" dirty="0" smtClean="0"/>
+              <a:t>을 연결해 주는 것을 이야기함</a:t>
+            </a:r>
+            <a:r>
+              <a:rPr lang="en-US" altLang="ko-KR" smtClean="0"/>
+              <a:t>.</a:t>
+            </a:r>
+            <a:endParaRPr lang="ko-KR" altLang="en-US"/>
+          </a:p>
+        </p:txBody>
+      </p:sp>
+    </p:spTree>
+    <p:extLst>
+      <p:ext uri="{BB962C8B-B14F-4D97-AF65-F5344CB8AC3E}">
+        <p14:creationId xmlns:p14="http://schemas.microsoft.com/office/powerpoint/2010/main" val="3630885605"/>
+      </p:ext>
+    </p:extLst>
+  </p:cSld>
+  <p:clrMapOvr>
+    <a:masterClrMapping/>
+  </p:clrMapOvr>
+</p:sld>
+</file>
+
 <file path=ppt/slides/slide2.xml><?xml version="1.0" encoding="utf-8"?>
 <p:sld xmlns:a="http://schemas.openxmlformats.org/drawingml/2006/main" xmlns:r="http://schemas.openxmlformats.org/officeDocument/2006/relationships" xmlns:p="http://schemas.openxmlformats.org/presentationml/2006/main">
   <p:cSld>
@@ -5406,6 +6057,14 @@
             <a:r>
               <a:rPr lang="ko-KR" altLang="en-US" dirty="0" smtClean="0"/>
               <a:t>라우팅 프로토콜에서 </a:t>
+            </a:r>
+            <a:r>
+              <a:rPr lang="ko-KR" altLang="en-US" dirty="0" smtClean="0"/>
+              <a:t>홉</a:t>
+            </a:r>
+            <a:r>
+              <a:rPr lang="en-US" altLang="ko-KR" dirty="0" smtClean="0"/>
+              <a:t>(HOP)</a:t>
             </a:r>
             <a:endParaRPr lang="en-US" altLang="ko-KR" dirty="0" smtClean="0"/>
           </a:p>

--- a/네트워크 구축(학습정리).pptx
+++ b/네트워크 구축(학습정리).pptx
@@ -21,6 +21,7 @@
     <p:sldId id="269" r:id="rId15"/>
     <p:sldId id="270" r:id="rId16"/>
     <p:sldId id="271" r:id="rId17"/>
+    <p:sldId id="272" r:id="rId18"/>
   </p:sldIdLst>
   <p:sldSz cx="12192000" cy="6858000"/>
   <p:notesSz cx="6858000" cy="9144000"/>
@@ -169,10 +170,9 @@
           </a:lstStyle>
           <a:p>
             <a:r>
-              <a:rPr lang="ko-KR" altLang="en-US" smtClean="0"/>
+              <a:rPr lang="ko-KR" altLang="en-US"/>
               <a:t>마스터 제목 스타일 편집</a:t>
             </a:r>
-            <a:endParaRPr lang="ko-KR" altLang="en-US"/>
           </a:p>
         </p:txBody>
       </p:sp>
@@ -234,10 +234,9 @@
           </a:lstStyle>
           <a:p>
             <a:r>
-              <a:rPr lang="ko-KR" altLang="en-US" smtClean="0"/>
+              <a:rPr lang="ko-KR" altLang="en-US"/>
               <a:t>클릭하여 마스터 부제목 스타일 편집</a:t>
             </a:r>
-            <a:endParaRPr lang="ko-KR" altLang="en-US"/>
           </a:p>
         </p:txBody>
       </p:sp>
@@ -258,7 +257,7 @@
           <a:p>
             <a:fld id="{34080446-D90F-47A4-A7C2-8402561D020B}" type="datetimeFigureOut">
               <a:rPr lang="ko-KR" altLang="en-US" smtClean="0"/>
-              <a:t>2025-06-17</a:t>
+              <a:t>2025-06-20</a:t>
             </a:fld>
             <a:endParaRPr lang="ko-KR" altLang="en-US"/>
           </a:p>
@@ -352,10 +351,9 @@
           <a:lstStyle/>
           <a:p>
             <a:r>
-              <a:rPr lang="ko-KR" altLang="en-US" smtClean="0"/>
+              <a:rPr lang="ko-KR" altLang="en-US"/>
               <a:t>마스터 제목 스타일 편집</a:t>
             </a:r>
-            <a:endParaRPr lang="ko-KR" altLang="en-US"/>
           </a:p>
         </p:txBody>
       </p:sp>
@@ -376,38 +374,37 @@
           <a:p>
             <a:pPr lvl="0"/>
             <a:r>
-              <a:rPr lang="ko-KR" altLang="en-US" smtClean="0"/>
+              <a:rPr lang="ko-KR" altLang="en-US"/>
               <a:t>마스터 텍스트 스타일 편집</a:t>
             </a:r>
           </a:p>
           <a:p>
             <a:pPr lvl="1"/>
             <a:r>
-              <a:rPr lang="ko-KR" altLang="en-US" smtClean="0"/>
+              <a:rPr lang="ko-KR" altLang="en-US"/>
               <a:t>둘째 수준</a:t>
             </a:r>
           </a:p>
           <a:p>
             <a:pPr lvl="2"/>
             <a:r>
-              <a:rPr lang="ko-KR" altLang="en-US" smtClean="0"/>
+              <a:rPr lang="ko-KR" altLang="en-US"/>
               <a:t>셋째 수준</a:t>
             </a:r>
           </a:p>
           <a:p>
             <a:pPr lvl="3"/>
             <a:r>
-              <a:rPr lang="ko-KR" altLang="en-US" smtClean="0"/>
+              <a:rPr lang="ko-KR" altLang="en-US"/>
               <a:t>넷째 수준</a:t>
             </a:r>
           </a:p>
           <a:p>
             <a:pPr lvl="4"/>
             <a:r>
-              <a:rPr lang="ko-KR" altLang="en-US" smtClean="0"/>
+              <a:rPr lang="ko-KR" altLang="en-US"/>
               <a:t>다섯째 수준</a:t>
             </a:r>
-            <a:endParaRPr lang="ko-KR" altLang="en-US"/>
           </a:p>
         </p:txBody>
       </p:sp>
@@ -428,7 +425,7 @@
           <a:p>
             <a:fld id="{34080446-D90F-47A4-A7C2-8402561D020B}" type="datetimeFigureOut">
               <a:rPr lang="ko-KR" altLang="en-US" smtClean="0"/>
-              <a:t>2025-06-17</a:t>
+              <a:t>2025-06-20</a:t>
             </a:fld>
             <a:endParaRPr lang="ko-KR" altLang="en-US"/>
           </a:p>
@@ -527,10 +524,9 @@
           <a:lstStyle/>
           <a:p>
             <a:r>
-              <a:rPr lang="ko-KR" altLang="en-US" smtClean="0"/>
+              <a:rPr lang="ko-KR" altLang="en-US"/>
               <a:t>마스터 제목 스타일 편집</a:t>
             </a:r>
-            <a:endParaRPr lang="ko-KR" altLang="en-US"/>
           </a:p>
         </p:txBody>
       </p:sp>
@@ -556,38 +552,37 @@
           <a:p>
             <a:pPr lvl="0"/>
             <a:r>
-              <a:rPr lang="ko-KR" altLang="en-US" smtClean="0"/>
+              <a:rPr lang="ko-KR" altLang="en-US"/>
               <a:t>마스터 텍스트 스타일 편집</a:t>
             </a:r>
           </a:p>
           <a:p>
             <a:pPr lvl="1"/>
             <a:r>
-              <a:rPr lang="ko-KR" altLang="en-US" smtClean="0"/>
+              <a:rPr lang="ko-KR" altLang="en-US"/>
               <a:t>둘째 수준</a:t>
             </a:r>
           </a:p>
           <a:p>
             <a:pPr lvl="2"/>
             <a:r>
-              <a:rPr lang="ko-KR" altLang="en-US" smtClean="0"/>
+              <a:rPr lang="ko-KR" altLang="en-US"/>
               <a:t>셋째 수준</a:t>
             </a:r>
           </a:p>
           <a:p>
             <a:pPr lvl="3"/>
             <a:r>
-              <a:rPr lang="ko-KR" altLang="en-US" smtClean="0"/>
+              <a:rPr lang="ko-KR" altLang="en-US"/>
               <a:t>넷째 수준</a:t>
             </a:r>
           </a:p>
           <a:p>
             <a:pPr lvl="4"/>
             <a:r>
-              <a:rPr lang="ko-KR" altLang="en-US" smtClean="0"/>
+              <a:rPr lang="ko-KR" altLang="en-US"/>
               <a:t>다섯째 수준</a:t>
             </a:r>
-            <a:endParaRPr lang="ko-KR" altLang="en-US"/>
           </a:p>
         </p:txBody>
       </p:sp>
@@ -608,7 +603,7 @@
           <a:p>
             <a:fld id="{34080446-D90F-47A4-A7C2-8402561D020B}" type="datetimeFigureOut">
               <a:rPr lang="ko-KR" altLang="en-US" smtClean="0"/>
-              <a:t>2025-06-17</a:t>
+              <a:t>2025-06-20</a:t>
             </a:fld>
             <a:endParaRPr lang="ko-KR" altLang="en-US"/>
           </a:p>
@@ -702,10 +697,9 @@
           <a:lstStyle/>
           <a:p>
             <a:r>
-              <a:rPr lang="ko-KR" altLang="en-US" smtClean="0"/>
+              <a:rPr lang="ko-KR" altLang="en-US"/>
               <a:t>마스터 제목 스타일 편집</a:t>
             </a:r>
-            <a:endParaRPr lang="ko-KR" altLang="en-US"/>
           </a:p>
         </p:txBody>
       </p:sp>
@@ -726,38 +720,37 @@
           <a:p>
             <a:pPr lvl="0"/>
             <a:r>
-              <a:rPr lang="ko-KR" altLang="en-US" smtClean="0"/>
+              <a:rPr lang="ko-KR" altLang="en-US"/>
               <a:t>마스터 텍스트 스타일 편집</a:t>
             </a:r>
           </a:p>
           <a:p>
             <a:pPr lvl="1"/>
             <a:r>
-              <a:rPr lang="ko-KR" altLang="en-US" smtClean="0"/>
+              <a:rPr lang="ko-KR" altLang="en-US"/>
               <a:t>둘째 수준</a:t>
             </a:r>
           </a:p>
           <a:p>
             <a:pPr lvl="2"/>
             <a:r>
-              <a:rPr lang="ko-KR" altLang="en-US" smtClean="0"/>
+              <a:rPr lang="ko-KR" altLang="en-US"/>
               <a:t>셋째 수준</a:t>
             </a:r>
           </a:p>
           <a:p>
             <a:pPr lvl="3"/>
             <a:r>
-              <a:rPr lang="ko-KR" altLang="en-US" smtClean="0"/>
+              <a:rPr lang="ko-KR" altLang="en-US"/>
               <a:t>넷째 수준</a:t>
             </a:r>
           </a:p>
           <a:p>
             <a:pPr lvl="4"/>
             <a:r>
-              <a:rPr lang="ko-KR" altLang="en-US" smtClean="0"/>
+              <a:rPr lang="ko-KR" altLang="en-US"/>
               <a:t>다섯째 수준</a:t>
             </a:r>
-            <a:endParaRPr lang="ko-KR" altLang="en-US"/>
           </a:p>
         </p:txBody>
       </p:sp>
@@ -778,7 +771,7 @@
           <a:p>
             <a:fld id="{34080446-D90F-47A4-A7C2-8402561D020B}" type="datetimeFigureOut">
               <a:rPr lang="ko-KR" altLang="en-US" smtClean="0"/>
-              <a:t>2025-06-17</a:t>
+              <a:t>2025-06-20</a:t>
             </a:fld>
             <a:endParaRPr lang="ko-KR" altLang="en-US"/>
           </a:p>
@@ -881,10 +874,9 @@
           </a:lstStyle>
           <a:p>
             <a:r>
-              <a:rPr lang="ko-KR" altLang="en-US" smtClean="0"/>
+              <a:rPr lang="ko-KR" altLang="en-US"/>
               <a:t>마스터 제목 스타일 편집</a:t>
             </a:r>
-            <a:endParaRPr lang="ko-KR" altLang="en-US"/>
           </a:p>
         </p:txBody>
       </p:sp>
@@ -1001,7 +993,7 @@
           <a:p>
             <a:pPr lvl="0"/>
             <a:r>
-              <a:rPr lang="ko-KR" altLang="en-US" smtClean="0"/>
+              <a:rPr lang="ko-KR" altLang="en-US"/>
               <a:t>마스터 텍스트 스타일 편집</a:t>
             </a:r>
           </a:p>
@@ -1024,7 +1016,7 @@
           <a:p>
             <a:fld id="{34080446-D90F-47A4-A7C2-8402561D020B}" type="datetimeFigureOut">
               <a:rPr lang="ko-KR" altLang="en-US" smtClean="0"/>
-              <a:t>2025-06-17</a:t>
+              <a:t>2025-06-20</a:t>
             </a:fld>
             <a:endParaRPr lang="ko-KR" altLang="en-US"/>
           </a:p>
@@ -1118,10 +1110,9 @@
           <a:lstStyle/>
           <a:p>
             <a:r>
-              <a:rPr lang="ko-KR" altLang="en-US" smtClean="0"/>
+              <a:rPr lang="ko-KR" altLang="en-US"/>
               <a:t>마스터 제목 스타일 편집</a:t>
             </a:r>
-            <a:endParaRPr lang="ko-KR" altLang="en-US"/>
           </a:p>
         </p:txBody>
       </p:sp>
@@ -1147,38 +1138,37 @@
           <a:p>
             <a:pPr lvl="0"/>
             <a:r>
-              <a:rPr lang="ko-KR" altLang="en-US" smtClean="0"/>
+              <a:rPr lang="ko-KR" altLang="en-US"/>
               <a:t>마스터 텍스트 스타일 편집</a:t>
             </a:r>
           </a:p>
           <a:p>
             <a:pPr lvl="1"/>
             <a:r>
-              <a:rPr lang="ko-KR" altLang="en-US" smtClean="0"/>
+              <a:rPr lang="ko-KR" altLang="en-US"/>
               <a:t>둘째 수준</a:t>
             </a:r>
           </a:p>
           <a:p>
             <a:pPr lvl="2"/>
             <a:r>
-              <a:rPr lang="ko-KR" altLang="en-US" smtClean="0"/>
+              <a:rPr lang="ko-KR" altLang="en-US"/>
               <a:t>셋째 수준</a:t>
             </a:r>
           </a:p>
           <a:p>
             <a:pPr lvl="3"/>
             <a:r>
-              <a:rPr lang="ko-KR" altLang="en-US" smtClean="0"/>
+              <a:rPr lang="ko-KR" altLang="en-US"/>
               <a:t>넷째 수준</a:t>
             </a:r>
           </a:p>
           <a:p>
             <a:pPr lvl="4"/>
             <a:r>
-              <a:rPr lang="ko-KR" altLang="en-US" smtClean="0"/>
+              <a:rPr lang="ko-KR" altLang="en-US"/>
               <a:t>다섯째 수준</a:t>
             </a:r>
-            <a:endParaRPr lang="ko-KR" altLang="en-US"/>
           </a:p>
         </p:txBody>
       </p:sp>
@@ -1204,38 +1194,37 @@
           <a:p>
             <a:pPr lvl="0"/>
             <a:r>
-              <a:rPr lang="ko-KR" altLang="en-US" smtClean="0"/>
+              <a:rPr lang="ko-KR" altLang="en-US"/>
               <a:t>마스터 텍스트 스타일 편집</a:t>
             </a:r>
           </a:p>
           <a:p>
             <a:pPr lvl="1"/>
             <a:r>
-              <a:rPr lang="ko-KR" altLang="en-US" smtClean="0"/>
+              <a:rPr lang="ko-KR" altLang="en-US"/>
               <a:t>둘째 수준</a:t>
             </a:r>
           </a:p>
           <a:p>
             <a:pPr lvl="2"/>
             <a:r>
-              <a:rPr lang="ko-KR" altLang="en-US" smtClean="0"/>
+              <a:rPr lang="ko-KR" altLang="en-US"/>
               <a:t>셋째 수준</a:t>
             </a:r>
           </a:p>
           <a:p>
             <a:pPr lvl="3"/>
             <a:r>
-              <a:rPr lang="ko-KR" altLang="en-US" smtClean="0"/>
+              <a:rPr lang="ko-KR" altLang="en-US"/>
               <a:t>넷째 수준</a:t>
             </a:r>
           </a:p>
           <a:p>
             <a:pPr lvl="4"/>
             <a:r>
-              <a:rPr lang="ko-KR" altLang="en-US" smtClean="0"/>
+              <a:rPr lang="ko-KR" altLang="en-US"/>
               <a:t>다섯째 수준</a:t>
             </a:r>
-            <a:endParaRPr lang="ko-KR" altLang="en-US"/>
           </a:p>
         </p:txBody>
       </p:sp>
@@ -1256,7 +1245,7 @@
           <a:p>
             <a:fld id="{34080446-D90F-47A4-A7C2-8402561D020B}" type="datetimeFigureOut">
               <a:rPr lang="ko-KR" altLang="en-US" smtClean="0"/>
-              <a:t>2025-06-17</a:t>
+              <a:t>2025-06-20</a:t>
             </a:fld>
             <a:endParaRPr lang="ko-KR" altLang="en-US"/>
           </a:p>
@@ -1355,10 +1344,9 @@
           <a:lstStyle/>
           <a:p>
             <a:r>
-              <a:rPr lang="ko-KR" altLang="en-US" smtClean="0"/>
+              <a:rPr lang="ko-KR" altLang="en-US"/>
               <a:t>마스터 제목 스타일 편집</a:t>
             </a:r>
-            <a:endParaRPr lang="ko-KR" altLang="en-US"/>
           </a:p>
         </p:txBody>
       </p:sp>
@@ -1421,7 +1409,7 @@
           <a:p>
             <a:pPr lvl="0"/>
             <a:r>
-              <a:rPr lang="ko-KR" altLang="en-US" smtClean="0"/>
+              <a:rPr lang="ko-KR" altLang="en-US"/>
               <a:t>마스터 텍스트 스타일 편집</a:t>
             </a:r>
           </a:p>
@@ -1449,38 +1437,37 @@
           <a:p>
             <a:pPr lvl="0"/>
             <a:r>
-              <a:rPr lang="ko-KR" altLang="en-US" smtClean="0"/>
+              <a:rPr lang="ko-KR" altLang="en-US"/>
               <a:t>마스터 텍스트 스타일 편집</a:t>
             </a:r>
           </a:p>
           <a:p>
             <a:pPr lvl="1"/>
             <a:r>
-              <a:rPr lang="ko-KR" altLang="en-US" smtClean="0"/>
+              <a:rPr lang="ko-KR" altLang="en-US"/>
               <a:t>둘째 수준</a:t>
             </a:r>
           </a:p>
           <a:p>
             <a:pPr lvl="2"/>
             <a:r>
-              <a:rPr lang="ko-KR" altLang="en-US" smtClean="0"/>
+              <a:rPr lang="ko-KR" altLang="en-US"/>
               <a:t>셋째 수준</a:t>
             </a:r>
           </a:p>
           <a:p>
             <a:pPr lvl="3"/>
             <a:r>
-              <a:rPr lang="ko-KR" altLang="en-US" smtClean="0"/>
+              <a:rPr lang="ko-KR" altLang="en-US"/>
               <a:t>넷째 수준</a:t>
             </a:r>
           </a:p>
           <a:p>
             <a:pPr lvl="4"/>
             <a:r>
-              <a:rPr lang="ko-KR" altLang="en-US" smtClean="0"/>
+              <a:rPr lang="ko-KR" altLang="en-US"/>
               <a:t>다섯째 수준</a:t>
             </a:r>
-            <a:endParaRPr lang="ko-KR" altLang="en-US"/>
           </a:p>
         </p:txBody>
       </p:sp>
@@ -1543,7 +1530,7 @@
           <a:p>
             <a:pPr lvl="0"/>
             <a:r>
-              <a:rPr lang="ko-KR" altLang="en-US" smtClean="0"/>
+              <a:rPr lang="ko-KR" altLang="en-US"/>
               <a:t>마스터 텍스트 스타일 편집</a:t>
             </a:r>
           </a:p>
@@ -1571,38 +1558,37 @@
           <a:p>
             <a:pPr lvl="0"/>
             <a:r>
-              <a:rPr lang="ko-KR" altLang="en-US" smtClean="0"/>
+              <a:rPr lang="ko-KR" altLang="en-US"/>
               <a:t>마스터 텍스트 스타일 편집</a:t>
             </a:r>
           </a:p>
           <a:p>
             <a:pPr lvl="1"/>
             <a:r>
-              <a:rPr lang="ko-KR" altLang="en-US" smtClean="0"/>
+              <a:rPr lang="ko-KR" altLang="en-US"/>
               <a:t>둘째 수준</a:t>
             </a:r>
           </a:p>
           <a:p>
             <a:pPr lvl="2"/>
             <a:r>
-              <a:rPr lang="ko-KR" altLang="en-US" smtClean="0"/>
+              <a:rPr lang="ko-KR" altLang="en-US"/>
               <a:t>셋째 수준</a:t>
             </a:r>
           </a:p>
           <a:p>
             <a:pPr lvl="3"/>
             <a:r>
-              <a:rPr lang="ko-KR" altLang="en-US" smtClean="0"/>
+              <a:rPr lang="ko-KR" altLang="en-US"/>
               <a:t>넷째 수준</a:t>
             </a:r>
           </a:p>
           <a:p>
             <a:pPr lvl="4"/>
             <a:r>
-              <a:rPr lang="ko-KR" altLang="en-US" smtClean="0"/>
+              <a:rPr lang="ko-KR" altLang="en-US"/>
               <a:t>다섯째 수준</a:t>
             </a:r>
-            <a:endParaRPr lang="ko-KR" altLang="en-US"/>
           </a:p>
         </p:txBody>
       </p:sp>
@@ -1623,7 +1609,7 @@
           <a:p>
             <a:fld id="{34080446-D90F-47A4-A7C2-8402561D020B}" type="datetimeFigureOut">
               <a:rPr lang="ko-KR" altLang="en-US" smtClean="0"/>
-              <a:t>2025-06-17</a:t>
+              <a:t>2025-06-20</a:t>
             </a:fld>
             <a:endParaRPr lang="ko-KR" altLang="en-US"/>
           </a:p>
@@ -1717,10 +1703,9 @@
           <a:lstStyle/>
           <a:p>
             <a:r>
-              <a:rPr lang="ko-KR" altLang="en-US" smtClean="0"/>
+              <a:rPr lang="ko-KR" altLang="en-US"/>
               <a:t>마스터 제목 스타일 편집</a:t>
             </a:r>
-            <a:endParaRPr lang="ko-KR" altLang="en-US"/>
           </a:p>
         </p:txBody>
       </p:sp>
@@ -1741,7 +1726,7 @@
           <a:p>
             <a:fld id="{34080446-D90F-47A4-A7C2-8402561D020B}" type="datetimeFigureOut">
               <a:rPr lang="ko-KR" altLang="en-US" smtClean="0"/>
-              <a:t>2025-06-17</a:t>
+              <a:t>2025-06-20</a:t>
             </a:fld>
             <a:endParaRPr lang="ko-KR" altLang="en-US"/>
           </a:p>
@@ -1836,7 +1821,7 @@
           <a:p>
             <a:fld id="{34080446-D90F-47A4-A7C2-8402561D020B}" type="datetimeFigureOut">
               <a:rPr lang="ko-KR" altLang="en-US" smtClean="0"/>
-              <a:t>2025-06-17</a:t>
+              <a:t>2025-06-20</a:t>
             </a:fld>
             <a:endParaRPr lang="ko-KR" altLang="en-US"/>
           </a:p>
@@ -1939,10 +1924,9 @@
           </a:lstStyle>
           <a:p>
             <a:r>
-              <a:rPr lang="ko-KR" altLang="en-US" smtClean="0"/>
+              <a:rPr lang="ko-KR" altLang="en-US"/>
               <a:t>마스터 제목 스타일 편집</a:t>
             </a:r>
-            <a:endParaRPr lang="ko-KR" altLang="en-US"/>
           </a:p>
         </p:txBody>
       </p:sp>
@@ -1996,38 +1980,37 @@
           <a:p>
             <a:pPr lvl="0"/>
             <a:r>
-              <a:rPr lang="ko-KR" altLang="en-US" smtClean="0"/>
+              <a:rPr lang="ko-KR" altLang="en-US"/>
               <a:t>마스터 텍스트 스타일 편집</a:t>
             </a:r>
           </a:p>
           <a:p>
             <a:pPr lvl="1"/>
             <a:r>
-              <a:rPr lang="ko-KR" altLang="en-US" smtClean="0"/>
+              <a:rPr lang="ko-KR" altLang="en-US"/>
               <a:t>둘째 수준</a:t>
             </a:r>
           </a:p>
           <a:p>
             <a:pPr lvl="2"/>
             <a:r>
-              <a:rPr lang="ko-KR" altLang="en-US" smtClean="0"/>
+              <a:rPr lang="ko-KR" altLang="en-US"/>
               <a:t>셋째 수준</a:t>
             </a:r>
           </a:p>
           <a:p>
             <a:pPr lvl="3"/>
             <a:r>
-              <a:rPr lang="ko-KR" altLang="en-US" smtClean="0"/>
+              <a:rPr lang="ko-KR" altLang="en-US"/>
               <a:t>넷째 수준</a:t>
             </a:r>
           </a:p>
           <a:p>
             <a:pPr lvl="4"/>
             <a:r>
-              <a:rPr lang="ko-KR" altLang="en-US" smtClean="0"/>
+              <a:rPr lang="ko-KR" altLang="en-US"/>
               <a:t>다섯째 수준</a:t>
             </a:r>
-            <a:endParaRPr lang="ko-KR" altLang="en-US"/>
           </a:p>
         </p:txBody>
       </p:sp>
@@ -2090,7 +2073,7 @@
           <a:p>
             <a:pPr lvl="0"/>
             <a:r>
-              <a:rPr lang="ko-KR" altLang="en-US" smtClean="0"/>
+              <a:rPr lang="ko-KR" altLang="en-US"/>
               <a:t>마스터 텍스트 스타일 편집</a:t>
             </a:r>
           </a:p>
@@ -2113,7 +2096,7 @@
           <a:p>
             <a:fld id="{34080446-D90F-47A4-A7C2-8402561D020B}" type="datetimeFigureOut">
               <a:rPr lang="ko-KR" altLang="en-US" smtClean="0"/>
-              <a:t>2025-06-17</a:t>
+              <a:t>2025-06-20</a:t>
             </a:fld>
             <a:endParaRPr lang="ko-KR" altLang="en-US"/>
           </a:p>
@@ -2216,10 +2199,9 @@
           </a:lstStyle>
           <a:p>
             <a:r>
-              <a:rPr lang="ko-KR" altLang="en-US" smtClean="0"/>
+              <a:rPr lang="ko-KR" altLang="en-US"/>
               <a:t>마스터 제목 스타일 편집</a:t>
             </a:r>
-            <a:endParaRPr lang="ko-KR" altLang="en-US"/>
           </a:p>
         </p:txBody>
       </p:sp>
@@ -2343,7 +2325,7 @@
           <a:p>
             <a:pPr lvl="0"/>
             <a:r>
-              <a:rPr lang="ko-KR" altLang="en-US" smtClean="0"/>
+              <a:rPr lang="ko-KR" altLang="en-US"/>
               <a:t>마스터 텍스트 스타일 편집</a:t>
             </a:r>
           </a:p>
@@ -2366,7 +2348,7 @@
           <a:p>
             <a:fld id="{34080446-D90F-47A4-A7C2-8402561D020B}" type="datetimeFigureOut">
               <a:rPr lang="ko-KR" altLang="en-US" smtClean="0"/>
-              <a:t>2025-06-17</a:t>
+              <a:t>2025-06-20</a:t>
             </a:fld>
             <a:endParaRPr lang="ko-KR" altLang="en-US"/>
           </a:p>
@@ -2475,10 +2457,9 @@
           <a:lstStyle/>
           <a:p>
             <a:r>
-              <a:rPr lang="ko-KR" altLang="en-US" smtClean="0"/>
+              <a:rPr lang="ko-KR" altLang="en-US"/>
               <a:t>마스터 제목 스타일 편집</a:t>
             </a:r>
-            <a:endParaRPr lang="ko-KR" altLang="en-US"/>
           </a:p>
         </p:txBody>
       </p:sp>
@@ -2509,38 +2490,37 @@
           <a:p>
             <a:pPr lvl="0"/>
             <a:r>
-              <a:rPr lang="ko-KR" altLang="en-US" smtClean="0"/>
+              <a:rPr lang="ko-KR" altLang="en-US"/>
               <a:t>마스터 텍스트 스타일 편집</a:t>
             </a:r>
           </a:p>
           <a:p>
             <a:pPr lvl="1"/>
             <a:r>
-              <a:rPr lang="ko-KR" altLang="en-US" smtClean="0"/>
+              <a:rPr lang="ko-KR" altLang="en-US"/>
               <a:t>둘째 수준</a:t>
             </a:r>
           </a:p>
           <a:p>
             <a:pPr lvl="2"/>
             <a:r>
-              <a:rPr lang="ko-KR" altLang="en-US" smtClean="0"/>
+              <a:rPr lang="ko-KR" altLang="en-US"/>
               <a:t>셋째 수준</a:t>
             </a:r>
           </a:p>
           <a:p>
             <a:pPr lvl="3"/>
             <a:r>
-              <a:rPr lang="ko-KR" altLang="en-US" smtClean="0"/>
+              <a:rPr lang="ko-KR" altLang="en-US"/>
               <a:t>넷째 수준</a:t>
             </a:r>
           </a:p>
           <a:p>
             <a:pPr lvl="4"/>
             <a:r>
-              <a:rPr lang="ko-KR" altLang="en-US" smtClean="0"/>
+              <a:rPr lang="ko-KR" altLang="en-US"/>
               <a:t>다섯째 수준</a:t>
             </a:r>
-            <a:endParaRPr lang="ko-KR" altLang="en-US"/>
           </a:p>
         </p:txBody>
       </p:sp>
@@ -2579,7 +2559,7 @@
           <a:p>
             <a:fld id="{34080446-D90F-47A4-A7C2-8402561D020B}" type="datetimeFigureOut">
               <a:rPr lang="ko-KR" altLang="en-US" smtClean="0"/>
-              <a:t>2025-06-17</a:t>
+              <a:t>2025-06-20</a:t>
             </a:fld>
             <a:endParaRPr lang="ko-KR" altLang="en-US"/>
           </a:p>
@@ -3000,10 +2980,9 @@
           <a:lstStyle/>
           <a:p>
             <a:r>
-              <a:rPr lang="ko-KR" altLang="en-US" dirty="0" smtClean="0"/>
+              <a:rPr lang="ko-KR" altLang="en-US" dirty="0"/>
               <a:t>네트워크 구축 </a:t>
             </a:r>
-            <a:endParaRPr lang="ko-KR" altLang="en-US" dirty="0"/>
           </a:p>
         </p:txBody>
       </p:sp>
@@ -3023,10 +3002,9 @@
           <a:lstStyle/>
           <a:p>
             <a:r>
-              <a:rPr lang="ko-KR" altLang="en-US" dirty="0" smtClean="0"/>
+              <a:rPr lang="ko-KR" altLang="en-US" dirty="0"/>
               <a:t>학습 정리</a:t>
             </a:r>
-            <a:endParaRPr lang="ko-KR" altLang="en-US" dirty="0"/>
           </a:p>
         </p:txBody>
       </p:sp>
@@ -3040,13 +3018,6 @@
   <p:clrMapOvr>
     <a:masterClrMapping/>
   </p:clrMapOvr>
-  <p:timing>
-    <p:tnLst>
-      <p:par>
-        <p:cTn id="1" dur="indefinite" restart="never" nodeType="tmRoot"/>
-      </p:par>
-    </p:tnLst>
-  </p:timing>
 </p:sld>
 </file>
 
@@ -3083,7 +3054,7 @@
           <a:lstStyle/>
           <a:p>
             <a:r>
-              <a:rPr lang="en-US" altLang="ko-KR" dirty="0" smtClean="0"/>
+              <a:rPr lang="en-US" altLang="ko-KR" dirty="0"/>
               <a:t>service password-encryption</a:t>
             </a:r>
             <a:endParaRPr lang="ko-KR" altLang="en-US" dirty="0"/>
@@ -3106,30 +3077,29 @@
           <a:lstStyle/>
           <a:p>
             <a:r>
-              <a:rPr lang="en-US" altLang="ko-KR" dirty="0" smtClean="0"/>
+              <a:rPr lang="en-US" altLang="ko-KR" dirty="0"/>
               <a:t>IOS </a:t>
             </a:r>
             <a:r>
-              <a:rPr lang="ko-KR" altLang="en-US" dirty="0" smtClean="0"/>
+              <a:rPr lang="ko-KR" altLang="en-US" dirty="0"/>
               <a:t>운영체제에서 모든 암호를 암호화</a:t>
             </a:r>
             <a:r>
-              <a:rPr lang="en-US" altLang="ko-KR" dirty="0" smtClean="0"/>
+              <a:rPr lang="en-US" altLang="ko-KR" dirty="0"/>
               <a:t>(</a:t>
             </a:r>
             <a:r>
-              <a:rPr lang="ko-KR" altLang="en-US" dirty="0" err="1" smtClean="0"/>
+              <a:rPr lang="ko-KR" altLang="en-US" dirty="0" err="1"/>
               <a:t>인코딩</a:t>
             </a:r>
             <a:r>
-              <a:rPr lang="en-US" altLang="ko-KR" dirty="0" smtClean="0"/>
+              <a:rPr lang="en-US" altLang="ko-KR" dirty="0"/>
               <a:t>)</a:t>
             </a:r>
             <a:r>
-              <a:rPr lang="ko-KR" altLang="en-US" dirty="0" smtClean="0"/>
+              <a:rPr lang="ko-KR" altLang="en-US" dirty="0"/>
               <a:t>되어 저장되도록 설정하는 명령어</a:t>
             </a:r>
-            <a:endParaRPr lang="ko-KR" altLang="en-US" dirty="0"/>
           </a:p>
         </p:txBody>
       </p:sp>
@@ -3213,13 +3183,6 @@
   <p:clrMapOvr>
     <a:masterClrMapping/>
   </p:clrMapOvr>
-  <p:timing>
-    <p:tnLst>
-      <p:par>
-        <p:cTn id="1" dur="indefinite" restart="never" nodeType="tmRoot"/>
-      </p:par>
-    </p:tnLst>
-  </p:timing>
 </p:sld>
 </file>
 
@@ -3256,7 +3219,7 @@
           <a:lstStyle/>
           <a:p>
             <a:r>
-              <a:rPr lang="en-US" altLang="ko-KR" dirty="0" smtClean="0"/>
+              <a:rPr lang="en-US" altLang="ko-KR" dirty="0"/>
               <a:t>255.255.0.0</a:t>
             </a:r>
             <a:endParaRPr lang="ko-KR" altLang="en-US" dirty="0"/>
@@ -3279,15 +3242,15 @@
           <a:lstStyle/>
           <a:p>
             <a:r>
-              <a:rPr lang="en-US" altLang="ko-KR" dirty="0" smtClean="0"/>
+              <a:rPr lang="en-US" altLang="ko-KR" dirty="0"/>
               <a:t>IP </a:t>
             </a:r>
             <a:r>
-              <a:rPr lang="ko-KR" altLang="en-US" dirty="0" smtClean="0"/>
+              <a:rPr lang="ko-KR" altLang="en-US" dirty="0"/>
               <a:t>주소는 인터넷에 연결된 모든 컴퓨터를 구분하기 위한 고유한 주소이다</a:t>
             </a:r>
             <a:r>
-              <a:rPr lang="en-US" altLang="ko-KR" dirty="0" smtClean="0"/>
+              <a:rPr lang="en-US" altLang="ko-KR" dirty="0"/>
               <a:t>.</a:t>
             </a:r>
           </a:p>
@@ -3296,55 +3259,55 @@
           </a:p>
           <a:p>
             <a:r>
-              <a:rPr lang="en-US" altLang="ko-KR" dirty="0" smtClean="0"/>
+              <a:rPr lang="en-US" altLang="ko-KR" dirty="0"/>
               <a:t>IP </a:t>
             </a:r>
             <a:r>
-              <a:rPr lang="ko-KR" altLang="en-US" dirty="0" smtClean="0"/>
+              <a:rPr lang="ko-KR" altLang="en-US" dirty="0"/>
               <a:t>주소는 네트워크 부분의 길이에 따라 </a:t>
             </a:r>
             <a:r>
-              <a:rPr lang="en-US" altLang="ko-KR" dirty="0" smtClean="0"/>
+              <a:rPr lang="en-US" altLang="ko-KR" dirty="0"/>
               <a:t>A</a:t>
             </a:r>
             <a:r>
-              <a:rPr lang="ko-KR" altLang="en-US" dirty="0" smtClean="0"/>
+              <a:rPr lang="ko-KR" altLang="en-US" dirty="0"/>
               <a:t>클래스에서 </a:t>
             </a:r>
             <a:r>
-              <a:rPr lang="en-US" altLang="ko-KR" dirty="0" smtClean="0"/>
+              <a:rPr lang="en-US" altLang="ko-KR" dirty="0"/>
               <a:t>E</a:t>
             </a:r>
             <a:r>
-              <a:rPr lang="ko-KR" altLang="en-US" dirty="0" smtClean="0"/>
+              <a:rPr lang="ko-KR" altLang="en-US" dirty="0"/>
               <a:t>클래스까지 구성되는데</a:t>
             </a:r>
             <a:r>
-              <a:rPr lang="en-US" altLang="ko-KR" dirty="0" smtClean="0"/>
+              <a:rPr lang="en-US" altLang="ko-KR" dirty="0"/>
               <a:t>, </a:t>
             </a:r>
             <a:r>
-              <a:rPr lang="ko-KR" altLang="en-US" dirty="0" smtClean="0"/>
+              <a:rPr lang="ko-KR" altLang="en-US" dirty="0"/>
               <a:t>이중 </a:t>
             </a:r>
             <a:r>
-              <a:rPr lang="en-US" altLang="ko-KR" dirty="0" smtClean="0"/>
+              <a:rPr lang="en-US" altLang="ko-KR" dirty="0"/>
               <a:t>B</a:t>
             </a:r>
             <a:r>
-              <a:rPr lang="ko-KR" altLang="en-US" dirty="0" smtClean="0"/>
+              <a:rPr lang="ko-KR" altLang="en-US" dirty="0"/>
               <a:t>클래스의 </a:t>
             </a:r>
             <a:r>
-              <a:rPr lang="ko-KR" altLang="en-US" dirty="0" err="1" smtClean="0"/>
+              <a:rPr lang="ko-KR" altLang="en-US" dirty="0" err="1"/>
               <a:t>서브넷</a:t>
             </a:r>
             <a:r>
-              <a:rPr lang="ko-KR" altLang="en-US" dirty="0" smtClean="0"/>
+              <a:rPr lang="ko-KR" altLang="en-US" dirty="0"/>
               <a:t> 마스크는</a:t>
             </a:r>
             <a:r>
-              <a:rPr lang="en-US" altLang="ko-KR" dirty="0" smtClean="0"/>
+              <a:rPr lang="en-US" altLang="ko-KR" dirty="0"/>
               <a:t>?</a:t>
             </a:r>
             <a:endParaRPr lang="ko-KR" altLang="en-US" dirty="0"/>
@@ -3431,13 +3394,6 @@
   <p:clrMapOvr>
     <a:masterClrMapping/>
   </p:clrMapOvr>
-  <p:timing>
-    <p:tnLst>
-      <p:par>
-        <p:cTn id="1" dur="indefinite" restart="never" nodeType="tmRoot"/>
-      </p:par>
-    </p:tnLst>
-  </p:timing>
 </p:sld>
 </file>
 
@@ -3474,7 +3430,7 @@
           <a:lstStyle/>
           <a:p>
             <a:r>
-              <a:rPr lang="en-US" altLang="ko-KR" dirty="0" smtClean="0"/>
+              <a:rPr lang="en-US" altLang="ko-KR" dirty="0"/>
               <a:t>VLAN</a:t>
             </a:r>
             <a:endParaRPr lang="ko-KR" altLang="en-US" dirty="0"/>
@@ -3497,46 +3453,45 @@
           <a:lstStyle/>
           <a:p>
             <a:r>
-              <a:rPr lang="ko-KR" altLang="en-US" dirty="0" smtClean="0"/>
+              <a:rPr lang="ko-KR" altLang="en-US" dirty="0"/>
               <a:t>네트워크를 논리적으로 나누어 여러 개의 작은 네트워크처럼 사용할 수 있게 해주는 기술</a:t>
             </a:r>
-            <a:endParaRPr lang="en-US" altLang="ko-KR" dirty="0" smtClean="0"/>
-          </a:p>
-          <a:p>
             <a:endParaRPr lang="en-US" altLang="ko-KR" dirty="0"/>
           </a:p>
           <a:p>
-            <a:r>
-              <a:rPr lang="ko-KR" altLang="en-US" dirty="0" smtClean="0"/>
+            <a:endParaRPr lang="en-US" altLang="ko-KR" dirty="0"/>
+          </a:p>
+          <a:p>
+            <a:r>
+              <a:rPr lang="ko-KR" altLang="en-US" dirty="0"/>
               <a:t>물리적으로 같은 네트워크에 있는 컴퓨터나 장치들을 논리적으로 그룹화하여</a:t>
             </a:r>
             <a:r>
-              <a:rPr lang="en-US" altLang="ko-KR" dirty="0" smtClean="0"/>
+              <a:rPr lang="en-US" altLang="ko-KR" dirty="0"/>
               <a:t>, </a:t>
             </a:r>
             <a:r>
-              <a:rPr lang="ko-KR" altLang="en-US" dirty="0" smtClean="0"/>
+              <a:rPr lang="ko-KR" altLang="en-US" dirty="0"/>
               <a:t>서로 다른 네트워크처럼 동작하게 만드는 것</a:t>
             </a:r>
-            <a:endParaRPr lang="en-US" altLang="ko-KR" dirty="0" smtClean="0"/>
-          </a:p>
-          <a:p>
             <a:endParaRPr lang="en-US" altLang="ko-KR" dirty="0"/>
           </a:p>
           <a:p>
-            <a:r>
-              <a:rPr lang="ko-KR" altLang="en-US" dirty="0" smtClean="0"/>
+            <a:endParaRPr lang="en-US" altLang="ko-KR" dirty="0"/>
+          </a:p>
+          <a:p>
+            <a:r>
+              <a:rPr lang="ko-KR" altLang="en-US" dirty="0"/>
               <a:t>학교의 컴퓨터 실에 있는 모든 컴퓨터가 같은 네트워크에 있지만</a:t>
             </a:r>
             <a:r>
-              <a:rPr lang="en-US" altLang="ko-KR" dirty="0" smtClean="0"/>
+              <a:rPr lang="en-US" altLang="ko-KR" dirty="0"/>
               <a:t>, </a:t>
             </a:r>
             <a:r>
-              <a:rPr lang="ko-KR" altLang="en-US" dirty="0" smtClean="0"/>
+              <a:rPr lang="ko-KR" altLang="en-US" dirty="0"/>
               <a:t>교사와 학생의 컴퓨터를 서로 다른 그룹으로 나누고 싶을 때 사용</a:t>
             </a:r>
-            <a:endParaRPr lang="ko-KR" altLang="en-US" dirty="0"/>
           </a:p>
         </p:txBody>
       </p:sp>
@@ -3620,13 +3575,6 @@
   <p:clrMapOvr>
     <a:masterClrMapping/>
   </p:clrMapOvr>
-  <p:timing>
-    <p:tnLst>
-      <p:par>
-        <p:cTn id="1" dur="indefinite" restart="never" nodeType="tmRoot"/>
-      </p:par>
-    </p:tnLst>
-  </p:timing>
 </p:sld>
 </file>
 
@@ -3663,7 +3611,7 @@
           <a:lstStyle/>
           <a:p>
             <a:r>
-              <a:rPr lang="ko-KR" altLang="en-US" dirty="0" err="1" smtClean="0"/>
+              <a:rPr lang="ko-KR" altLang="en-US" dirty="0" err="1"/>
               <a:t>서브넷팅</a:t>
             </a:r>
             <a:endParaRPr lang="ko-KR" altLang="en-US" dirty="0"/>
@@ -3686,35 +3634,35 @@
           <a:lstStyle/>
           <a:p>
             <a:r>
-              <a:rPr lang="en-US" altLang="ko-KR" dirty="0" smtClean="0"/>
+              <a:rPr lang="en-US" altLang="ko-KR" dirty="0"/>
               <a:t>192.168.0.0/24 </a:t>
             </a:r>
             <a:r>
-              <a:rPr lang="ko-KR" altLang="en-US" dirty="0" smtClean="0"/>
+              <a:rPr lang="ko-KR" altLang="en-US" dirty="0"/>
               <a:t>네트워크를 </a:t>
             </a:r>
             <a:r>
-              <a:rPr lang="en-US" altLang="ko-KR" dirty="0" smtClean="0"/>
+              <a:rPr lang="en-US" altLang="ko-KR" dirty="0"/>
               <a:t>2</a:t>
             </a:r>
             <a:r>
-              <a:rPr lang="ko-KR" altLang="en-US" dirty="0" smtClean="0"/>
+              <a:rPr lang="ko-KR" altLang="en-US" dirty="0"/>
               <a:t>개의 서브 네트워크로 나누었을 때</a:t>
             </a:r>
             <a:r>
-              <a:rPr lang="en-US" altLang="ko-KR" dirty="0" smtClean="0"/>
+              <a:rPr lang="en-US" altLang="ko-KR" dirty="0"/>
               <a:t>, 2</a:t>
             </a:r>
             <a:r>
-              <a:rPr lang="ko-KR" altLang="en-US" dirty="0" smtClean="0"/>
+              <a:rPr lang="ko-KR" altLang="en-US" dirty="0"/>
               <a:t>번째 서브 네트워크의 사용 가능한 마지막 </a:t>
             </a:r>
             <a:r>
-              <a:rPr lang="en-US" altLang="ko-KR" dirty="0" smtClean="0"/>
+              <a:rPr lang="en-US" altLang="ko-KR" dirty="0"/>
               <a:t>IP </a:t>
             </a:r>
             <a:r>
-              <a:rPr lang="ko-KR" altLang="en-US" dirty="0" smtClean="0"/>
+              <a:rPr lang="ko-KR" altLang="en-US" dirty="0"/>
               <a:t>주소는</a:t>
             </a:r>
             <a:r>
@@ -3805,13 +3753,6 @@
   <p:clrMapOvr>
     <a:masterClrMapping/>
   </p:clrMapOvr>
-  <p:timing>
-    <p:tnLst>
-      <p:par>
-        <p:cTn id="1" dur="indefinite" restart="never" nodeType="tmRoot"/>
-      </p:par>
-    </p:tnLst>
-  </p:timing>
 </p:sld>
 </file>
 
@@ -3848,7 +3789,7 @@
           <a:lstStyle/>
           <a:p>
             <a:r>
-              <a:rPr lang="en-US" altLang="ko-KR" dirty="0" smtClean="0"/>
+              <a:rPr lang="en-US" altLang="ko-KR" dirty="0"/>
               <a:t>running-config</a:t>
             </a:r>
             <a:endParaRPr lang="ko-KR" altLang="en-US" dirty="0"/>
@@ -3871,26 +3812,25 @@
           <a:lstStyle/>
           <a:p>
             <a:r>
-              <a:rPr lang="ko-KR" altLang="en-US" dirty="0" smtClean="0"/>
+              <a:rPr lang="ko-KR" altLang="en-US" dirty="0"/>
               <a:t>라우터</a:t>
             </a:r>
             <a:r>
-              <a:rPr lang="en-US" altLang="ko-KR" dirty="0" smtClean="0"/>
+              <a:rPr lang="en-US" altLang="ko-KR" dirty="0"/>
               <a:t>(</a:t>
             </a:r>
             <a:r>
-              <a:rPr lang="ko-KR" altLang="en-US" dirty="0" smtClean="0"/>
+              <a:rPr lang="ko-KR" altLang="en-US" dirty="0"/>
               <a:t>스위치</a:t>
             </a:r>
             <a:r>
-              <a:rPr lang="en-US" altLang="ko-KR" dirty="0" smtClean="0"/>
+              <a:rPr lang="en-US" altLang="ko-KR" dirty="0"/>
               <a:t>)</a:t>
             </a:r>
             <a:r>
-              <a:rPr lang="ko-KR" altLang="en-US" dirty="0" smtClean="0"/>
+              <a:rPr lang="ko-KR" altLang="en-US" dirty="0"/>
               <a:t>에 설정된 내용을 확인하거나 현재 어떤 설정 내용으로 동작하고 있는지 확인할 수 있는 파일</a:t>
             </a:r>
-            <a:endParaRPr lang="ko-KR" altLang="en-US" dirty="0"/>
           </a:p>
         </p:txBody>
       </p:sp>
@@ -3974,13 +3914,6 @@
   <p:clrMapOvr>
     <a:masterClrMapping/>
   </p:clrMapOvr>
-  <p:timing>
-    <p:tnLst>
-      <p:par>
-        <p:cTn id="1" dur="indefinite" restart="never" nodeType="tmRoot"/>
-      </p:par>
-    </p:tnLst>
-  </p:timing>
 </p:sld>
 </file>
 
@@ -4017,14 +3950,13 @@
           <a:lstStyle/>
           <a:p>
             <a:r>
-              <a:rPr lang="en-US" altLang="ko-KR" dirty="0" smtClean="0"/>
+              <a:rPr lang="en-US" altLang="ko-KR" dirty="0"/>
               <a:t>IP </a:t>
             </a:r>
             <a:r>
-              <a:rPr lang="ko-KR" altLang="en-US" dirty="0" smtClean="0"/>
+              <a:rPr lang="ko-KR" altLang="en-US" dirty="0"/>
               <a:t>주소</a:t>
             </a:r>
-            <a:endParaRPr lang="ko-KR" altLang="en-US" dirty="0"/>
           </a:p>
         </p:txBody>
       </p:sp>
@@ -4084,10 +4016,9 @@
                     <a:p>
                       <a:pPr algn="ctr" latinLnBrk="1"/>
                       <a:r>
-                        <a:rPr lang="ko-KR" altLang="en-US" sz="2400" dirty="0" smtClean="0"/>
+                        <a:rPr lang="ko-KR" altLang="en-US" sz="2400" dirty="0"/>
                         <a:t>네트워크 구간</a:t>
                       </a:r>
-                      <a:endParaRPr lang="ko-KR" altLang="en-US" sz="2400" dirty="0"/>
                     </a:p>
                   </a:txBody>
                   <a:tcPr anchor="ctr"/>
@@ -4099,19 +4030,19 @@
                     <a:p>
                       <a:pPr algn="ctr" latinLnBrk="1"/>
                       <a:r>
-                        <a:rPr lang="ko-KR" altLang="en-US" sz="2400" dirty="0" smtClean="0"/>
+                        <a:rPr lang="ko-KR" altLang="en-US" sz="2400" dirty="0"/>
                         <a:t>호스트</a:t>
                       </a:r>
                       <a:r>
-                        <a:rPr lang="en-US" altLang="ko-KR" sz="2400" dirty="0" smtClean="0"/>
+                        <a:rPr lang="en-US" altLang="ko-KR" sz="2400" dirty="0"/>
                         <a:t>(</a:t>
                       </a:r>
                       <a:r>
-                        <a:rPr lang="ko-KR" altLang="en-US" sz="2400" dirty="0" err="1" smtClean="0"/>
+                        <a:rPr lang="ko-KR" altLang="en-US" sz="2400" dirty="0" err="1"/>
                         <a:t>장치명</a:t>
                       </a:r>
                       <a:r>
-                        <a:rPr lang="en-US" altLang="ko-KR" sz="2400" dirty="0" smtClean="0"/>
+                        <a:rPr lang="en-US" altLang="ko-KR" sz="2400" dirty="0"/>
                         <a:t>)</a:t>
                       </a:r>
                       <a:endParaRPr lang="ko-KR" altLang="en-US" sz="2400" dirty="0"/>
@@ -4126,14 +4057,13 @@
                     <a:p>
                       <a:pPr algn="ctr" latinLnBrk="1"/>
                       <a:r>
-                        <a:rPr lang="en-US" altLang="ko-KR" sz="2400" dirty="0" smtClean="0"/>
+                        <a:rPr lang="en-US" altLang="ko-KR" sz="2400" dirty="0"/>
                         <a:t>IP </a:t>
                       </a:r>
                       <a:r>
-                        <a:rPr lang="ko-KR" altLang="en-US" sz="2400" dirty="0" smtClean="0"/>
+                        <a:rPr lang="ko-KR" altLang="en-US" sz="2400" dirty="0"/>
                         <a:t>주소</a:t>
                       </a:r>
-                      <a:endParaRPr lang="ko-KR" altLang="en-US" sz="2400" dirty="0"/>
                     </a:p>
                   </a:txBody>
                   <a:tcPr anchor="ctr"/>
@@ -4152,7 +4082,7 @@
                     <a:p>
                       <a:pPr algn="ctr" latinLnBrk="1"/>
                       <a:r>
-                        <a:rPr lang="en-US" altLang="ko-KR" sz="2400" dirty="0" smtClean="0"/>
+                        <a:rPr lang="en-US" altLang="ko-KR" sz="2400" dirty="0"/>
                         <a:t>192.168.0.0/24</a:t>
                       </a:r>
                       <a:endParaRPr lang="ko-KR" altLang="en-US" sz="2400" dirty="0"/>
@@ -4167,7 +4097,7 @@
                     <a:p>
                       <a:pPr algn="ctr" latinLnBrk="1"/>
                       <a:r>
-                        <a:rPr lang="en-US" altLang="ko-KR" sz="2400" dirty="0" smtClean="0"/>
+                        <a:rPr lang="en-US" altLang="ko-KR" sz="2400" dirty="0"/>
                         <a:t>R1[F0/0.10]</a:t>
                       </a:r>
                       <a:endParaRPr lang="ko-KR" altLang="en-US" sz="2400" dirty="0"/>
@@ -4182,14 +4112,13 @@
                     <a:p>
                       <a:pPr algn="ctr" latinLnBrk="1"/>
                       <a:r>
-                        <a:rPr lang="ko-KR" altLang="en-US" sz="2400" dirty="0" err="1" smtClean="0"/>
+                        <a:rPr lang="ko-KR" altLang="en-US" sz="2400" dirty="0" err="1"/>
                         <a:t>할당가능한</a:t>
                       </a:r>
                       <a:r>
-                        <a:rPr lang="ko-KR" altLang="en-US" sz="2400" dirty="0" smtClean="0"/>
+                        <a:rPr lang="ko-KR" altLang="en-US" sz="2400" dirty="0"/>
                         <a:t> 마지막 주소</a:t>
                       </a:r>
-                      <a:endParaRPr lang="ko-KR" altLang="en-US" sz="2400" dirty="0"/>
                     </a:p>
                   </a:txBody>
                   <a:tcPr anchor="ctr"/>
@@ -4219,7 +4148,7 @@
                     <a:p>
                       <a:pPr algn="ctr" latinLnBrk="1"/>
                       <a:r>
-                        <a:rPr lang="en-US" altLang="ko-KR" sz="2400" dirty="0" smtClean="0"/>
+                        <a:rPr lang="en-US" altLang="ko-KR" sz="2400" dirty="0"/>
                         <a:t>PC0</a:t>
                       </a:r>
                       <a:endParaRPr lang="ko-KR" altLang="en-US" sz="2400" dirty="0"/>
@@ -4234,14 +4163,13 @@
                     <a:p>
                       <a:pPr algn="ctr" latinLnBrk="1"/>
                       <a:r>
-                        <a:rPr lang="ko-KR" altLang="en-US" sz="2400" dirty="0" err="1" smtClean="0"/>
+                        <a:rPr lang="ko-KR" altLang="en-US" sz="2400" dirty="0" err="1"/>
                         <a:t>할당가능한</a:t>
                       </a:r>
                       <a:r>
-                        <a:rPr lang="ko-KR" altLang="en-US" sz="2400" dirty="0" smtClean="0"/>
+                        <a:rPr lang="ko-KR" altLang="en-US" sz="2400" dirty="0"/>
                         <a:t> 첫 번째 주소</a:t>
                       </a:r>
-                      <a:endParaRPr lang="ko-KR" altLang="en-US" sz="2400" dirty="0"/>
                     </a:p>
                   </a:txBody>
                   <a:tcPr anchor="ctr"/>
@@ -4260,7 +4188,7 @@
                     <a:p>
                       <a:pPr algn="ctr" latinLnBrk="1"/>
                       <a:r>
-                        <a:rPr lang="en-US" altLang="ko-KR" sz="2400" dirty="0" smtClean="0"/>
+                        <a:rPr lang="en-US" altLang="ko-KR" sz="2400" dirty="0"/>
                         <a:t>192.168.10.0/25</a:t>
                       </a:r>
                       <a:endParaRPr lang="ko-KR" altLang="en-US" sz="2400" dirty="0"/>
@@ -4275,7 +4203,7 @@
                     <a:p>
                       <a:pPr algn="ctr" latinLnBrk="1"/>
                       <a:r>
-                        <a:rPr lang="en-US" altLang="ko-KR" sz="2400" dirty="0" smtClean="0"/>
+                        <a:rPr lang="en-US" altLang="ko-KR" sz="2400" dirty="0"/>
                         <a:t>R1[F0/0.20]</a:t>
                       </a:r>
                       <a:endParaRPr lang="ko-KR" altLang="en-US" sz="2400" dirty="0"/>
@@ -4290,14 +4218,13 @@
                     <a:p>
                       <a:pPr algn="ctr" latinLnBrk="1"/>
                       <a:r>
-                        <a:rPr lang="ko-KR" altLang="en-US" sz="2400" dirty="0" err="1" smtClean="0"/>
+                        <a:rPr lang="ko-KR" altLang="en-US" sz="2400" dirty="0" err="1"/>
                         <a:t>할당가능한</a:t>
                       </a:r>
                       <a:r>
-                        <a:rPr lang="ko-KR" altLang="en-US" sz="2400" dirty="0" smtClean="0"/>
+                        <a:rPr lang="ko-KR" altLang="en-US" sz="2400" dirty="0"/>
                         <a:t> 마지막 주소</a:t>
                       </a:r>
-                      <a:endParaRPr lang="ko-KR" altLang="en-US" sz="2400" dirty="0"/>
                     </a:p>
                   </a:txBody>
                   <a:tcPr anchor="ctr"/>
@@ -4327,7 +4254,7 @@
                     <a:p>
                       <a:pPr algn="ctr" latinLnBrk="1"/>
                       <a:r>
-                        <a:rPr lang="en-US" altLang="ko-KR" sz="2400" dirty="0" smtClean="0"/>
+                        <a:rPr lang="en-US" altLang="ko-KR" sz="2400" dirty="0"/>
                         <a:t>PC1</a:t>
                       </a:r>
                       <a:endParaRPr lang="ko-KR" altLang="en-US" sz="2400" dirty="0"/>
@@ -4342,14 +4269,13 @@
                     <a:p>
                       <a:pPr algn="ctr" latinLnBrk="1"/>
                       <a:r>
-                        <a:rPr lang="ko-KR" altLang="en-US" sz="2400" dirty="0" err="1" smtClean="0"/>
+                        <a:rPr lang="ko-KR" altLang="en-US" sz="2400" dirty="0" err="1"/>
                         <a:t>할당가능한</a:t>
                       </a:r>
                       <a:r>
-                        <a:rPr lang="ko-KR" altLang="en-US" sz="2400" dirty="0" smtClean="0"/>
+                        <a:rPr lang="ko-KR" altLang="en-US" sz="2400" dirty="0"/>
                         <a:t> 첫 번째 주소</a:t>
                       </a:r>
-                      <a:endParaRPr lang="ko-KR" altLang="en-US" sz="2400" dirty="0"/>
                     </a:p>
                   </a:txBody>
                   <a:tcPr anchor="ctr"/>
@@ -4390,23 +4316,23 @@
               <a:buAutoNum type="arabicPeriod"/>
             </a:pPr>
             <a:r>
-              <a:rPr lang="en-US" altLang="ko-KR" dirty="0" smtClean="0"/>
+              <a:rPr lang="en-US" altLang="ko-KR" dirty="0"/>
               <a:t>PC0</a:t>
             </a:r>
             <a:r>
-              <a:rPr lang="ko-KR" altLang="en-US" dirty="0" smtClean="0"/>
+              <a:rPr lang="ko-KR" altLang="en-US" dirty="0"/>
               <a:t>의 </a:t>
             </a:r>
             <a:r>
-              <a:rPr lang="en-US" altLang="ko-KR" dirty="0" smtClean="0"/>
+              <a:rPr lang="en-US" altLang="ko-KR" dirty="0"/>
               <a:t>IP </a:t>
             </a:r>
             <a:r>
-              <a:rPr lang="ko-KR" altLang="en-US" dirty="0" smtClean="0"/>
+              <a:rPr lang="ko-KR" altLang="en-US" dirty="0"/>
               <a:t>주소는</a:t>
             </a:r>
             <a:r>
-              <a:rPr lang="en-US" altLang="ko-KR" dirty="0" smtClean="0"/>
+              <a:rPr lang="en-US" altLang="ko-KR" dirty="0"/>
               <a:t>?</a:t>
             </a:r>
           </a:p>
@@ -4421,23 +4347,23 @@
               <a:buAutoNum type="arabicPeriod"/>
             </a:pPr>
             <a:r>
-              <a:rPr lang="en-US" altLang="ko-KR" dirty="0" smtClean="0"/>
+              <a:rPr lang="en-US" altLang="ko-KR" dirty="0"/>
               <a:t>PC1</a:t>
             </a:r>
             <a:r>
-              <a:rPr lang="ko-KR" altLang="en-US" dirty="0" smtClean="0"/>
+              <a:rPr lang="ko-KR" altLang="en-US" dirty="0"/>
               <a:t>의 </a:t>
             </a:r>
             <a:r>
-              <a:rPr lang="en-US" altLang="ko-KR" dirty="0" smtClean="0"/>
+              <a:rPr lang="en-US" altLang="ko-KR" dirty="0"/>
               <a:t>IP </a:t>
             </a:r>
             <a:r>
-              <a:rPr lang="ko-KR" altLang="en-US" dirty="0" smtClean="0"/>
+              <a:rPr lang="ko-KR" altLang="en-US" dirty="0"/>
               <a:t>주소는</a:t>
             </a:r>
             <a:r>
-              <a:rPr lang="en-US" altLang="ko-KR" dirty="0" smtClean="0"/>
+              <a:rPr lang="en-US" altLang="ko-KR" dirty="0"/>
               <a:t>?</a:t>
             </a:r>
           </a:p>
@@ -4452,15 +4378,15 @@
               <a:buAutoNum type="arabicPeriod"/>
             </a:pPr>
             <a:r>
-              <a:rPr lang="en-US" altLang="ko-KR" dirty="0" smtClean="0"/>
+              <a:rPr lang="en-US" altLang="ko-KR" dirty="0"/>
               <a:t>PC0</a:t>
             </a:r>
             <a:r>
-              <a:rPr lang="ko-KR" altLang="en-US" dirty="0" smtClean="0"/>
+              <a:rPr lang="ko-KR" altLang="en-US" dirty="0"/>
               <a:t>의 게이트웨이 주소는</a:t>
             </a:r>
             <a:r>
-              <a:rPr lang="en-US" altLang="ko-KR" dirty="0" smtClean="0"/>
+              <a:rPr lang="en-US" altLang="ko-KR" dirty="0"/>
               <a:t>?</a:t>
             </a:r>
           </a:p>
@@ -4475,15 +4401,15 @@
               <a:buAutoNum type="arabicPeriod"/>
             </a:pPr>
             <a:r>
-              <a:rPr lang="en-US" altLang="ko-KR" dirty="0" smtClean="0"/>
+              <a:rPr lang="en-US" altLang="ko-KR" dirty="0"/>
               <a:t>PC1</a:t>
             </a:r>
             <a:r>
-              <a:rPr lang="ko-KR" altLang="en-US" dirty="0" smtClean="0"/>
+              <a:rPr lang="ko-KR" altLang="en-US" dirty="0"/>
               <a:t>의 게이트웨이 주소는</a:t>
             </a:r>
             <a:r>
-              <a:rPr lang="en-US" altLang="ko-KR" dirty="0" smtClean="0"/>
+              <a:rPr lang="en-US" altLang="ko-KR" dirty="0"/>
               <a:t>?</a:t>
             </a:r>
             <a:endParaRPr lang="ko-KR" altLang="en-US" dirty="0"/>
@@ -4536,7 +4462,7 @@
           <a:lstStyle/>
           <a:p>
             <a:r>
-              <a:rPr lang="en-US" altLang="ko-KR" dirty="0" smtClean="0"/>
+              <a:rPr lang="en-US" altLang="ko-KR" dirty="0"/>
               <a:t>Inter-VLAN</a:t>
             </a:r>
             <a:endParaRPr lang="ko-KR" altLang="en-US" dirty="0"/>
@@ -4559,27 +4485,27 @@
           <a:lstStyle/>
           <a:p>
             <a:r>
-              <a:rPr lang="ko-KR" altLang="en-US" dirty="0" smtClean="0"/>
+              <a:rPr lang="ko-KR" altLang="en-US" dirty="0"/>
               <a:t>하나의 네트워크 토폴로지에서 소속 </a:t>
             </a:r>
             <a:r>
-              <a:rPr lang="en-US" altLang="ko-KR" dirty="0" smtClean="0"/>
+              <a:rPr lang="en-US" altLang="ko-KR" dirty="0"/>
               <a:t>PC</a:t>
             </a:r>
             <a:r>
-              <a:rPr lang="ko-KR" altLang="en-US" dirty="0" smtClean="0"/>
+              <a:rPr lang="ko-KR" altLang="en-US" dirty="0"/>
               <a:t>들의 데이터 전송 편리성을 위하여 </a:t>
             </a:r>
             <a:r>
-              <a:rPr lang="en-US" altLang="ko-KR" dirty="0" smtClean="0"/>
+              <a:rPr lang="en-US" altLang="ko-KR" dirty="0"/>
               <a:t>VLAN</a:t>
             </a:r>
             <a:r>
-              <a:rPr lang="ko-KR" altLang="en-US" dirty="0" smtClean="0"/>
+              <a:rPr lang="ko-KR" altLang="en-US" dirty="0"/>
               <a:t>을 설정할 필요에 의하여 상호 간에 데이터 패킷을 전송하기 위한 경로를 라우터에 설정해 주는 것을 말한다</a:t>
             </a:r>
             <a:r>
-              <a:rPr lang="en-US" altLang="ko-KR" dirty="0" smtClean="0"/>
+              <a:rPr lang="en-US" altLang="ko-KR" dirty="0"/>
               <a:t>.</a:t>
             </a:r>
           </a:p>
@@ -4588,27 +4514,27 @@
           </a:p>
           <a:p>
             <a:r>
-              <a:rPr lang="ko-KR" altLang="en-US" dirty="0" smtClean="0"/>
+              <a:rPr lang="ko-KR" altLang="en-US" dirty="0"/>
               <a:t>즉</a:t>
             </a:r>
             <a:r>
-              <a:rPr lang="en-US" altLang="ko-KR" dirty="0" smtClean="0"/>
+              <a:rPr lang="en-US" altLang="ko-KR" dirty="0"/>
               <a:t>, </a:t>
             </a:r>
             <a:r>
-              <a:rPr lang="ko-KR" altLang="en-US" dirty="0" smtClean="0"/>
+              <a:rPr lang="ko-KR" altLang="en-US" dirty="0"/>
               <a:t>서로 다른 </a:t>
             </a:r>
             <a:r>
-              <a:rPr lang="en-US" altLang="ko-KR" dirty="0" smtClean="0"/>
+              <a:rPr lang="en-US" altLang="ko-KR" dirty="0"/>
               <a:t>VLAN</a:t>
             </a:r>
             <a:r>
-              <a:rPr lang="ko-KR" altLang="en-US" dirty="0" smtClean="0"/>
+              <a:rPr lang="ko-KR" altLang="en-US" dirty="0"/>
               <a:t>을 연결해 주는 것을 이야기함</a:t>
             </a:r>
             <a:r>
-              <a:rPr lang="en-US" altLang="ko-KR" smtClean="0"/>
+              <a:rPr lang="en-US" altLang="ko-KR"/>
               <a:t>.</a:t>
             </a:r>
             <a:endParaRPr lang="ko-KR" altLang="en-US"/>
@@ -4619,6 +4545,149 @@
     <p:extLst>
       <p:ext uri="{BB962C8B-B14F-4D97-AF65-F5344CB8AC3E}">
         <p14:creationId xmlns:p14="http://schemas.microsoft.com/office/powerpoint/2010/main" val="3630885605"/>
+      </p:ext>
+    </p:extLst>
+  </p:cSld>
+  <p:clrMapOvr>
+    <a:masterClrMapping/>
+  </p:clrMapOvr>
+</p:sld>
+</file>
+
+<file path=ppt/slides/slide17.xml><?xml version="1.0" encoding="utf-8"?>
+<p:sld xmlns:a="http://schemas.openxmlformats.org/drawingml/2006/main" xmlns:r="http://schemas.openxmlformats.org/officeDocument/2006/relationships" xmlns:p="http://schemas.openxmlformats.org/presentationml/2006/main">
+  <p:cSld>
+    <p:spTree>
+      <p:nvGrpSpPr>
+        <p:cNvPr id="1" name=""/>
+        <p:cNvGrpSpPr/>
+        <p:nvPr/>
+      </p:nvGrpSpPr>
+      <p:grpSpPr>
+        <a:xfrm>
+          <a:off x="0" y="0"/>
+          <a:ext cx="0" cy="0"/>
+          <a:chOff x="0" y="0"/>
+          <a:chExt cx="0" cy="0"/>
+        </a:xfrm>
+      </p:grpSpPr>
+      <p:sp>
+        <p:nvSpPr>
+          <p:cNvPr id="2" name="제목 1">
+            <a:extLst>
+              <a:ext uri="{FF2B5EF4-FFF2-40B4-BE49-F238E27FC236}">
+                <a16:creationId xmlns:a16="http://schemas.microsoft.com/office/drawing/2014/main" id="{73216A2E-0BE5-4FE9-9B0C-0FCED70C4954}"/>
+              </a:ext>
+            </a:extLst>
+          </p:cNvPr>
+          <p:cNvSpPr>
+            <a:spLocks noGrp="1"/>
+          </p:cNvSpPr>
+          <p:nvPr>
+            <p:ph type="title"/>
+          </p:nvPr>
+        </p:nvSpPr>
+        <p:spPr/>
+        <p:txBody>
+          <a:bodyPr/>
+          <a:lstStyle/>
+          <a:p>
+            <a:r>
+              <a:rPr lang="ko-KR" altLang="en-US"/>
+              <a:t>동적 라우팅</a:t>
+            </a:r>
+          </a:p>
+        </p:txBody>
+      </p:sp>
+      <p:sp>
+        <p:nvSpPr>
+          <p:cNvPr id="3" name="내용 개체 틀 2">
+            <a:extLst>
+              <a:ext uri="{FF2B5EF4-FFF2-40B4-BE49-F238E27FC236}">
+                <a16:creationId xmlns:a16="http://schemas.microsoft.com/office/drawing/2014/main" id="{6EE1E244-B730-4EFB-B9AD-836D4872D9B0}"/>
+              </a:ext>
+            </a:extLst>
+          </p:cNvPr>
+          <p:cNvSpPr>
+            <a:spLocks noGrp="1"/>
+          </p:cNvSpPr>
+          <p:nvPr>
+            <p:ph idx="1"/>
+          </p:nvPr>
+        </p:nvSpPr>
+        <p:spPr/>
+        <p:txBody>
+          <a:bodyPr/>
+          <a:lstStyle/>
+          <a:p>
+            <a:r>
+              <a:rPr lang="ko-KR" altLang="en-US"/>
+              <a:t>동적 라우팅 프로토콜로 옳지 않은 것은</a:t>
+            </a:r>
+            <a:r>
+              <a:rPr lang="en-US" altLang="ko-KR"/>
+              <a:t>?</a:t>
+            </a:r>
+          </a:p>
+          <a:p>
+            <a:endParaRPr lang="en-US" altLang="ko-KR"/>
+          </a:p>
+          <a:p>
+            <a:pPr marL="514350" indent="-514350">
+              <a:buAutoNum type="arabicPeriod"/>
+            </a:pPr>
+            <a:r>
+              <a:rPr lang="en-US" altLang="ko-KR">
+                <a:solidFill>
+                  <a:srgbClr val="FF0000"/>
+                </a:solidFill>
+              </a:rPr>
+              <a:t>Static Routing</a:t>
+            </a:r>
+          </a:p>
+          <a:p>
+            <a:pPr marL="514350" indent="-514350">
+              <a:buAutoNum type="arabicPeriod"/>
+            </a:pPr>
+            <a:r>
+              <a:rPr lang="en-US" altLang="ko-KR"/>
+              <a:t>EIGRP</a:t>
+            </a:r>
+          </a:p>
+          <a:p>
+            <a:pPr marL="514350" indent="-514350">
+              <a:buAutoNum type="arabicPeriod"/>
+            </a:pPr>
+            <a:r>
+              <a:rPr lang="en-US" altLang="ko-KR"/>
+              <a:t>OSPF</a:t>
+            </a:r>
+          </a:p>
+          <a:p>
+            <a:pPr marL="514350" indent="-514350">
+              <a:buAutoNum type="arabicPeriod"/>
+            </a:pPr>
+            <a:r>
+              <a:rPr lang="en-US" altLang="ko-KR"/>
+              <a:t>BGP</a:t>
+            </a:r>
+          </a:p>
+          <a:p>
+            <a:pPr marL="514350" indent="-514350">
+              <a:buAutoNum type="arabicPeriod"/>
+            </a:pPr>
+            <a:r>
+              <a:rPr lang="en-US" altLang="ko-KR"/>
+              <a:t>RIP</a:t>
+            </a:r>
+            <a:endParaRPr lang="ko-KR" altLang="en-US"/>
+          </a:p>
+        </p:txBody>
+      </p:sp>
+    </p:spTree>
+    <p:extLst>
+      <p:ext uri="{BB962C8B-B14F-4D97-AF65-F5344CB8AC3E}">
+        <p14:creationId xmlns:p14="http://schemas.microsoft.com/office/powerpoint/2010/main" val="3873405234"/>
       </p:ext>
     </p:extLst>
   </p:cSld>
@@ -4661,11 +4730,11 @@
           <a:lstStyle/>
           <a:p>
             <a:r>
-              <a:rPr lang="ko-KR" altLang="en-US" dirty="0" smtClean="0"/>
+              <a:rPr lang="ko-KR" altLang="en-US" dirty="0"/>
               <a:t>시스코 패킷 트레이서</a:t>
             </a:r>
             <a:r>
-              <a:rPr lang="en-US" altLang="ko-KR" dirty="0" smtClean="0"/>
+              <a:rPr lang="en-US" altLang="ko-KR" dirty="0"/>
               <a:t>(cisco packet tracer)</a:t>
             </a:r>
             <a:endParaRPr lang="ko-KR" altLang="en-US" dirty="0"/>
@@ -4688,19 +4757,19 @@
           <a:lstStyle/>
           <a:p>
             <a:r>
-              <a:rPr lang="ko-KR" altLang="en-US" dirty="0" smtClean="0"/>
+              <a:rPr lang="ko-KR" altLang="en-US" dirty="0"/>
               <a:t>교육과 실습</a:t>
             </a:r>
             <a:r>
-              <a:rPr lang="en-US" altLang="ko-KR" dirty="0" smtClean="0"/>
+              <a:rPr lang="en-US" altLang="ko-KR" dirty="0"/>
               <a:t>, </a:t>
             </a:r>
             <a:r>
-              <a:rPr lang="ko-KR" altLang="en-US" dirty="0" smtClean="0"/>
+              <a:rPr lang="ko-KR" altLang="en-US" dirty="0"/>
               <a:t>그리고 단순 컴퓨터 네트워크 시뮬레이션을 위한 연구에 이용할 수 있는 시스코의 라우터 시뮬레이터이다</a:t>
             </a:r>
             <a:r>
-              <a:rPr lang="en-US" altLang="ko-KR" dirty="0" smtClean="0"/>
+              <a:rPr lang="en-US" altLang="ko-KR" dirty="0"/>
               <a:t>.</a:t>
             </a:r>
           </a:p>
@@ -4709,27 +4778,27 @@
           </a:p>
           <a:p>
             <a:r>
-              <a:rPr lang="ko-KR" altLang="en-US" dirty="0" smtClean="0"/>
+              <a:rPr lang="ko-KR" altLang="en-US" dirty="0"/>
               <a:t>하드웨어를 사용하지 않아도 가상 랩에서 네트워킹</a:t>
             </a:r>
             <a:r>
-              <a:rPr lang="en-US" altLang="ko-KR" dirty="0" smtClean="0"/>
+              <a:rPr lang="en-US" altLang="ko-KR" dirty="0"/>
               <a:t>, </a:t>
             </a:r>
             <a:r>
-              <a:rPr lang="ko-KR" altLang="en-US" dirty="0" smtClean="0"/>
+              <a:rPr lang="ko-KR" altLang="en-US" dirty="0"/>
               <a:t>사물 인터넷</a:t>
             </a:r>
             <a:r>
-              <a:rPr lang="en-US" altLang="ko-KR" dirty="0" smtClean="0"/>
+              <a:rPr lang="en-US" altLang="ko-KR" dirty="0"/>
               <a:t>, </a:t>
             </a:r>
             <a:r>
-              <a:rPr lang="ko-KR" altLang="en-US" dirty="0" smtClean="0"/>
+              <a:rPr lang="ko-KR" altLang="en-US" dirty="0"/>
               <a:t>사이버 보안 기술을 연습할 수 있는 강력한 네트워크 시뮬레이션 툴로 실제 기술을 습득할 수 있다</a:t>
             </a:r>
             <a:r>
-              <a:rPr lang="en-US" altLang="ko-KR" dirty="0" smtClean="0"/>
+              <a:rPr lang="en-US" altLang="ko-KR" dirty="0"/>
               <a:t>.</a:t>
             </a:r>
           </a:p>
@@ -4821,13 +4890,6 @@
   <p:clrMapOvr>
     <a:masterClrMapping/>
   </p:clrMapOvr>
-  <p:timing>
-    <p:tnLst>
-      <p:par>
-        <p:cTn id="1" dur="indefinite" restart="never" nodeType="tmRoot"/>
-      </p:par>
-    </p:tnLst>
-  </p:timing>
 </p:sld>
 </file>
 
@@ -4864,10 +4926,9 @@
           <a:lstStyle/>
           <a:p>
             <a:r>
-              <a:rPr lang="ko-KR" altLang="en-US" dirty="0" smtClean="0"/>
+              <a:rPr lang="ko-KR" altLang="en-US" dirty="0"/>
               <a:t>프레임</a:t>
             </a:r>
-            <a:endParaRPr lang="ko-KR" altLang="en-US" dirty="0"/>
           </a:p>
         </p:txBody>
       </p:sp>
@@ -4887,47 +4948,47 @@
           <a:lstStyle/>
           <a:p>
             <a:r>
-              <a:rPr lang="en-US" altLang="ko-KR" dirty="0" smtClean="0"/>
+              <a:rPr lang="en-US" altLang="ko-KR" dirty="0"/>
               <a:t>L2 </a:t>
             </a:r>
             <a:r>
-              <a:rPr lang="ko-KR" altLang="en-US" dirty="0" smtClean="0"/>
+              <a:rPr lang="ko-KR" altLang="en-US" dirty="0"/>
               <a:t>스위치는 </a:t>
             </a:r>
             <a:r>
-              <a:rPr lang="en-US" altLang="ko-KR" dirty="0" smtClean="0"/>
+              <a:rPr lang="en-US" altLang="ko-KR" dirty="0"/>
               <a:t>MAC </a:t>
             </a:r>
             <a:r>
-              <a:rPr lang="ko-KR" altLang="en-US" dirty="0" smtClean="0"/>
+              <a:rPr lang="ko-KR" altLang="en-US" dirty="0"/>
               <a:t>주소를 기반으로 </a:t>
             </a:r>
             <a:r>
-              <a:rPr lang="en-US" altLang="ko-KR" dirty="0" smtClean="0"/>
+              <a:rPr lang="en-US" altLang="ko-KR" dirty="0"/>
               <a:t>(</a:t>
             </a:r>
             <a:r>
-              <a:rPr lang="ko-KR" altLang="en-US" dirty="0" smtClean="0"/>
+              <a:rPr lang="ko-KR" altLang="en-US" dirty="0"/>
               <a:t>가</a:t>
             </a:r>
             <a:r>
-              <a:rPr lang="en-US" altLang="ko-KR" dirty="0" smtClean="0"/>
+              <a:rPr lang="en-US" altLang="ko-KR" dirty="0"/>
               <a:t>)</a:t>
             </a:r>
             <a:r>
-              <a:rPr lang="ko-KR" altLang="en-US" dirty="0" smtClean="0"/>
+              <a:rPr lang="ko-KR" altLang="en-US" dirty="0"/>
               <a:t>을</a:t>
             </a:r>
             <a:r>
-              <a:rPr lang="en-US" altLang="ko-KR" dirty="0" smtClean="0"/>
+              <a:rPr lang="en-US" altLang="ko-KR" dirty="0"/>
               <a:t>/</a:t>
             </a:r>
             <a:r>
-              <a:rPr lang="ko-KR" altLang="en-US" dirty="0" smtClean="0"/>
+              <a:rPr lang="ko-KR" altLang="en-US" dirty="0"/>
               <a:t>를 전달하는 장비이다</a:t>
             </a:r>
             <a:r>
-              <a:rPr lang="en-US" altLang="ko-KR" dirty="0" smtClean="0"/>
+              <a:rPr lang="en-US" altLang="ko-KR" dirty="0"/>
               <a:t>.</a:t>
             </a:r>
           </a:p>
@@ -4936,79 +4997,79 @@
           </a:p>
           <a:p>
             <a:r>
-              <a:rPr lang="en-US" altLang="ko-KR" dirty="0" smtClean="0"/>
+              <a:rPr lang="en-US" altLang="ko-KR" dirty="0"/>
               <a:t>OSI 7</a:t>
             </a:r>
             <a:r>
-              <a:rPr lang="ko-KR" altLang="en-US" dirty="0" smtClean="0"/>
+              <a:rPr lang="ko-KR" altLang="en-US" dirty="0"/>
               <a:t>계층 중에서 네트워크 계층</a:t>
             </a:r>
             <a:r>
-              <a:rPr lang="en-US" altLang="ko-KR" dirty="0" smtClean="0"/>
+              <a:rPr lang="en-US" altLang="ko-KR" dirty="0"/>
               <a:t>(3</a:t>
             </a:r>
             <a:r>
-              <a:rPr lang="ko-KR" altLang="en-US" dirty="0" smtClean="0"/>
+              <a:rPr lang="ko-KR" altLang="en-US" dirty="0"/>
               <a:t>계층</a:t>
             </a:r>
             <a:r>
-              <a:rPr lang="en-US" altLang="ko-KR" dirty="0" smtClean="0"/>
+              <a:rPr lang="en-US" altLang="ko-KR" dirty="0"/>
               <a:t>)</a:t>
             </a:r>
             <a:r>
-              <a:rPr lang="ko-KR" altLang="en-US" dirty="0" smtClean="0"/>
+              <a:rPr lang="ko-KR" altLang="en-US" dirty="0"/>
               <a:t>의 데이터 단위인 </a:t>
             </a:r>
             <a:r>
-              <a:rPr lang="en-US" altLang="ko-KR" dirty="0" smtClean="0"/>
+              <a:rPr lang="en-US" altLang="ko-KR" dirty="0"/>
               <a:t>Packet</a:t>
             </a:r>
             <a:r>
-              <a:rPr lang="ko-KR" altLang="en-US" dirty="0" smtClean="0"/>
+              <a:rPr lang="ko-KR" altLang="en-US" dirty="0"/>
               <a:t>을 받아</a:t>
             </a:r>
             <a:r>
-              <a:rPr lang="en-US" altLang="ko-KR" dirty="0" smtClean="0"/>
+              <a:rPr lang="en-US" altLang="ko-KR" dirty="0"/>
               <a:t>, MAC </a:t>
             </a:r>
             <a:r>
-              <a:rPr lang="ko-KR" altLang="en-US" dirty="0" smtClean="0"/>
+              <a:rPr lang="ko-KR" altLang="en-US" dirty="0"/>
               <a:t>주소 등의 정보를 추가해서 </a:t>
             </a:r>
             <a:r>
-              <a:rPr lang="en-US" altLang="ko-KR" dirty="0" smtClean="0"/>
+              <a:rPr lang="en-US" altLang="ko-KR" dirty="0"/>
               <a:t>(</a:t>
             </a:r>
             <a:r>
-              <a:rPr lang="ko-KR" altLang="en-US" dirty="0" smtClean="0"/>
+              <a:rPr lang="ko-KR" altLang="en-US" dirty="0"/>
               <a:t>가</a:t>
             </a:r>
             <a:r>
-              <a:rPr lang="en-US" altLang="ko-KR" dirty="0" smtClean="0"/>
+              <a:rPr lang="en-US" altLang="ko-KR" dirty="0"/>
               <a:t>)</a:t>
             </a:r>
             <a:r>
-              <a:rPr lang="ko-KR" altLang="en-US" dirty="0" smtClean="0"/>
+              <a:rPr lang="ko-KR" altLang="en-US" dirty="0"/>
               <a:t>으로 만든 다음 물리 계층</a:t>
             </a:r>
             <a:r>
-              <a:rPr lang="en-US" altLang="ko-KR" dirty="0" smtClean="0"/>
+              <a:rPr lang="en-US" altLang="ko-KR" dirty="0"/>
               <a:t>(1</a:t>
             </a:r>
             <a:r>
-              <a:rPr lang="ko-KR" altLang="en-US" dirty="0" smtClean="0"/>
+              <a:rPr lang="ko-KR" altLang="en-US" dirty="0"/>
               <a:t>계층</a:t>
             </a:r>
             <a:r>
-              <a:rPr lang="en-US" altLang="ko-KR" dirty="0" smtClean="0"/>
+              <a:rPr lang="en-US" altLang="ko-KR" dirty="0"/>
               <a:t>)</a:t>
             </a:r>
             <a:r>
-              <a:rPr lang="ko-KR" altLang="en-US" dirty="0" smtClean="0"/>
+              <a:rPr lang="ko-KR" altLang="en-US" dirty="0"/>
               <a:t>으로 넘겨 비트로 변환해서 전송하는 과정이 이루어진다</a:t>
             </a:r>
             <a:r>
-              <a:rPr lang="en-US" altLang="ko-KR" dirty="0" smtClean="0"/>
+              <a:rPr lang="en-US" altLang="ko-KR" dirty="0"/>
               <a:t>.</a:t>
             </a:r>
             <a:endParaRPr lang="ko-KR" altLang="en-US" dirty="0"/>
@@ -5095,13 +5156,6 @@
   <p:clrMapOvr>
     <a:masterClrMapping/>
   </p:clrMapOvr>
-  <p:timing>
-    <p:tnLst>
-      <p:par>
-        <p:cTn id="1" dur="indefinite" restart="never" nodeType="tmRoot"/>
-      </p:par>
-    </p:tnLst>
-  </p:timing>
 </p:sld>
 </file>
 
@@ -5138,7 +5192,7 @@
           <a:lstStyle/>
           <a:p>
             <a:r>
-              <a:rPr lang="en-US" altLang="ko-KR" dirty="0" smtClean="0"/>
+              <a:rPr lang="en-US" altLang="ko-KR" dirty="0"/>
               <a:t>hostname</a:t>
             </a:r>
             <a:endParaRPr lang="ko-KR" altLang="en-US" dirty="0"/>
@@ -5161,10 +5215,9 @@
           <a:lstStyle/>
           <a:p>
             <a:r>
-              <a:rPr lang="ko-KR" altLang="en-US" dirty="0" smtClean="0"/>
+              <a:rPr lang="ko-KR" altLang="en-US" dirty="0"/>
               <a:t>스위치 또는 라우터의 이름을 설정하는 명령어</a:t>
             </a:r>
-            <a:endParaRPr lang="ko-KR" altLang="en-US" dirty="0"/>
           </a:p>
         </p:txBody>
       </p:sp>
@@ -5248,13 +5301,6 @@
   <p:clrMapOvr>
     <a:masterClrMapping/>
   </p:clrMapOvr>
-  <p:timing>
-    <p:tnLst>
-      <p:par>
-        <p:cTn id="1" dur="indefinite" restart="never" nodeType="tmRoot"/>
-      </p:par>
-    </p:tnLst>
-  </p:timing>
 </p:sld>
 </file>
 
@@ -5327,30 +5373,30 @@
               <a:buAutoNum type="arabicPeriod"/>
             </a:pPr>
             <a:r>
-              <a:rPr lang="ko-KR" altLang="en-US" dirty="0" smtClean="0"/>
+              <a:rPr lang="ko-KR" altLang="en-US" dirty="0"/>
               <a:t>라우터의 가상 인터페이스인</a:t>
             </a:r>
-            <a:endParaRPr lang="en-US" altLang="ko-KR" dirty="0" smtClean="0"/>
-          </a:p>
-          <a:p>
-            <a:r>
-              <a:rPr lang="en-US" altLang="ko-KR" dirty="0" smtClean="0"/>
+            <a:endParaRPr lang="en-US" altLang="ko-KR" dirty="0"/>
+          </a:p>
+          <a:p>
+            <a:r>
+              <a:rPr lang="en-US" altLang="ko-KR" dirty="0"/>
               <a:t>Fa0/0.10 (vlan10)</a:t>
             </a:r>
             <a:r>
-              <a:rPr lang="ko-KR" altLang="en-US" dirty="0" smtClean="0"/>
+              <a:rPr lang="ko-KR" altLang="en-US" dirty="0"/>
               <a:t>의 </a:t>
             </a:r>
             <a:r>
-              <a:rPr lang="ko-KR" altLang="en-US" dirty="0" err="1" smtClean="0"/>
+              <a:rPr lang="ko-KR" altLang="en-US" dirty="0" err="1"/>
               <a:t>아이피</a:t>
             </a:r>
             <a:r>
-              <a:rPr lang="ko-KR" altLang="en-US" dirty="0" smtClean="0"/>
+              <a:rPr lang="ko-KR" altLang="en-US" dirty="0"/>
               <a:t> 주소</a:t>
             </a:r>
             <a:r>
-              <a:rPr lang="en-US" altLang="ko-KR" dirty="0" smtClean="0"/>
+              <a:rPr lang="en-US" altLang="ko-KR" dirty="0"/>
               <a:t>?</a:t>
             </a:r>
           </a:p>
@@ -5358,38 +5404,38 @@
             <a:endParaRPr lang="en-US" altLang="ko-KR" dirty="0"/>
           </a:p>
           <a:p>
-            <a:endParaRPr lang="en-US" altLang="ko-KR" dirty="0" smtClean="0"/>
-          </a:p>
-          <a:p>
             <a:endParaRPr lang="en-US" altLang="ko-KR" dirty="0"/>
           </a:p>
           <a:p>
-            <a:r>
-              <a:rPr lang="en-US" altLang="ko-KR" dirty="0" smtClean="0"/>
+            <a:endParaRPr lang="en-US" altLang="ko-KR" dirty="0"/>
+          </a:p>
+          <a:p>
+            <a:r>
+              <a:rPr lang="en-US" altLang="ko-KR" dirty="0"/>
               <a:t>2. </a:t>
             </a:r>
             <a:r>
-              <a:rPr lang="ko-KR" altLang="en-US" dirty="0" smtClean="0"/>
+              <a:rPr lang="ko-KR" altLang="en-US" dirty="0"/>
               <a:t>라우터의 가상 인터페이스인 </a:t>
             </a:r>
             <a:r>
-              <a:rPr lang="en-US" altLang="ko-KR" dirty="0" smtClean="0"/>
+              <a:rPr lang="en-US" altLang="ko-KR" dirty="0"/>
               <a:t>fa0/0.20</a:t>
             </a:r>
             <a:r>
-              <a:rPr lang="ko-KR" altLang="en-US" dirty="0" smtClean="0"/>
+              <a:rPr lang="ko-KR" altLang="en-US" dirty="0"/>
               <a:t>의 </a:t>
             </a:r>
             <a:r>
-              <a:rPr lang="ko-KR" altLang="en-US" dirty="0" err="1" smtClean="0"/>
+              <a:rPr lang="ko-KR" altLang="en-US" dirty="0" err="1"/>
               <a:t>서브넷</a:t>
             </a:r>
             <a:r>
-              <a:rPr lang="ko-KR" altLang="en-US" dirty="0" smtClean="0"/>
+              <a:rPr lang="ko-KR" altLang="en-US" dirty="0"/>
               <a:t> 마스크</a:t>
             </a:r>
             <a:r>
-              <a:rPr lang="en-US" altLang="ko-KR" dirty="0" smtClean="0"/>
+              <a:rPr lang="en-US" altLang="ko-KR" dirty="0"/>
               <a:t>?</a:t>
             </a:r>
           </a:p>
@@ -5397,22 +5443,22 @@
             <a:endParaRPr lang="en-US" altLang="ko-KR" dirty="0"/>
           </a:p>
           <a:p>
-            <a:endParaRPr lang="en-US" altLang="ko-KR" dirty="0" smtClean="0"/>
-          </a:p>
-          <a:p>
             <a:endParaRPr lang="en-US" altLang="ko-KR" dirty="0"/>
           </a:p>
           <a:p>
-            <a:r>
-              <a:rPr lang="en-US" altLang="ko-KR" dirty="0" smtClean="0"/>
+            <a:endParaRPr lang="en-US" altLang="ko-KR" dirty="0"/>
+          </a:p>
+          <a:p>
+            <a:r>
+              <a:rPr lang="en-US" altLang="ko-KR" dirty="0"/>
               <a:t>3. VLAN30</a:t>
             </a:r>
             <a:r>
-              <a:rPr lang="ko-KR" altLang="en-US" dirty="0" smtClean="0"/>
+              <a:rPr lang="ko-KR" altLang="en-US" dirty="0"/>
               <a:t>에 연결된 스위치의 포트</a:t>
             </a:r>
             <a:r>
-              <a:rPr lang="en-US" altLang="ko-KR" dirty="0" smtClean="0"/>
+              <a:rPr lang="en-US" altLang="ko-KR" dirty="0"/>
               <a:t>?</a:t>
             </a:r>
           </a:p>
@@ -5420,27 +5466,27 @@
             <a:endParaRPr lang="en-US" altLang="ko-KR" dirty="0"/>
           </a:p>
           <a:p>
-            <a:endParaRPr lang="en-US" altLang="ko-KR" dirty="0" smtClean="0"/>
-          </a:p>
-          <a:p>
-            <a:r>
-              <a:rPr lang="en-US" altLang="ko-KR" dirty="0" smtClean="0"/>
+            <a:endParaRPr lang="en-US" altLang="ko-KR" dirty="0"/>
+          </a:p>
+          <a:p>
+            <a:r>
+              <a:rPr lang="en-US" altLang="ko-KR" dirty="0"/>
               <a:t>4. </a:t>
             </a:r>
             <a:r>
-              <a:rPr lang="ko-KR" altLang="en-US" dirty="0" smtClean="0"/>
+              <a:rPr lang="ko-KR" altLang="en-US" dirty="0"/>
               <a:t>스위치 </a:t>
             </a:r>
             <a:r>
-              <a:rPr lang="en-US" altLang="ko-KR" dirty="0" smtClean="0"/>
+              <a:rPr lang="en-US" altLang="ko-KR" dirty="0"/>
               <a:t>fa0/24 </a:t>
             </a:r>
             <a:r>
-              <a:rPr lang="ko-KR" altLang="en-US" dirty="0" smtClean="0"/>
+              <a:rPr lang="ko-KR" altLang="en-US" dirty="0"/>
               <a:t>포트를 트렁크 모드로 변경하는 명령어</a:t>
             </a:r>
             <a:r>
-              <a:rPr lang="en-US" altLang="ko-KR" dirty="0" smtClean="0"/>
+              <a:rPr lang="en-US" altLang="ko-KR" dirty="0"/>
               <a:t>?</a:t>
             </a:r>
             <a:endParaRPr lang="ko-KR" altLang="en-US" dirty="0"/>
@@ -5457,13 +5503,6 @@
   <p:clrMapOvr>
     <a:masterClrMapping/>
   </p:clrMapOvr>
-  <p:timing>
-    <p:tnLst>
-      <p:par>
-        <p:cTn id="1" dur="indefinite" restart="never" nodeType="tmRoot"/>
-      </p:par>
-    </p:tnLst>
-  </p:timing>
 </p:sld>
 </file>
 
@@ -5500,7 +5539,7 @@
           <a:lstStyle/>
           <a:p>
             <a:r>
-              <a:rPr lang="en-US" altLang="ko-KR" dirty="0" smtClean="0"/>
+              <a:rPr lang="en-US" altLang="ko-KR" dirty="0"/>
               <a:t>CTRL + SHIFT + 6</a:t>
             </a:r>
             <a:endParaRPr lang="ko-KR" altLang="en-US" dirty="0"/>
@@ -5523,22 +5562,21 @@
           <a:lstStyle/>
           <a:p>
             <a:r>
-              <a:rPr lang="en-US" altLang="ko-KR" dirty="0" smtClean="0"/>
+              <a:rPr lang="en-US" altLang="ko-KR" dirty="0"/>
               <a:t>IOS </a:t>
             </a:r>
             <a:r>
-              <a:rPr lang="ko-KR" altLang="en-US" dirty="0" smtClean="0"/>
+              <a:rPr lang="ko-KR" altLang="en-US" dirty="0"/>
               <a:t>운영체제에서 명령어를 잘못 입력 시 </a:t>
             </a:r>
             <a:r>
-              <a:rPr lang="en-US" altLang="ko-KR" dirty="0" smtClean="0"/>
+              <a:rPr lang="en-US" altLang="ko-KR" dirty="0"/>
               <a:t>DNS </a:t>
             </a:r>
             <a:r>
-              <a:rPr lang="ko-KR" altLang="en-US" dirty="0" smtClean="0"/>
+              <a:rPr lang="ko-KR" altLang="en-US" dirty="0"/>
               <a:t>서버를 찾는 시간을 줄이기 위해서 종료하는 키</a:t>
             </a:r>
-            <a:endParaRPr lang="ko-KR" altLang="en-US" dirty="0"/>
           </a:p>
         </p:txBody>
       </p:sp>
@@ -5622,13 +5660,6 @@
   <p:clrMapOvr>
     <a:masterClrMapping/>
   </p:clrMapOvr>
-  <p:timing>
-    <p:tnLst>
-      <p:par>
-        <p:cTn id="1" dur="indefinite" restart="never" nodeType="tmRoot"/>
-      </p:par>
-    </p:tnLst>
-  </p:timing>
 </p:sld>
 </file>
 
@@ -5665,7 +5696,7 @@
           <a:lstStyle/>
           <a:p>
             <a:r>
-              <a:rPr lang="en-US" altLang="ko-KR" dirty="0" smtClean="0"/>
+              <a:rPr lang="en-US" altLang="ko-KR" dirty="0"/>
               <a:t>login</a:t>
             </a:r>
             <a:endParaRPr lang="ko-KR" altLang="en-US" dirty="0"/>
@@ -5721,21 +5752,21 @@
           <a:lstStyle/>
           <a:p>
             <a:r>
-              <a:rPr lang="ko-KR" altLang="en-US" sz="3200" dirty="0" smtClean="0"/>
+              <a:rPr lang="ko-KR" altLang="en-US" sz="3200" dirty="0"/>
               <a:t>스위치 장비에서 콘솔 연결을 위한 명령이다</a:t>
             </a:r>
             <a:r>
-              <a:rPr lang="en-US" altLang="ko-KR" sz="3200" dirty="0" smtClean="0"/>
+              <a:rPr lang="en-US" altLang="ko-KR" sz="3200" dirty="0"/>
               <a:t>.</a:t>
             </a:r>
           </a:p>
           <a:p>
             <a:r>
-              <a:rPr lang="ko-KR" altLang="en-US" sz="3200" dirty="0" smtClean="0"/>
+              <a:rPr lang="ko-KR" altLang="en-US" sz="3200" dirty="0"/>
               <a:t>패스워드 입력 후 나머지 명령어는</a:t>
             </a:r>
             <a:r>
-              <a:rPr lang="en-US" altLang="ko-KR" sz="3200" dirty="0" smtClean="0"/>
+              <a:rPr lang="en-US" altLang="ko-KR" sz="3200" dirty="0"/>
               <a:t>?</a:t>
             </a:r>
             <a:endParaRPr lang="ko-KR" altLang="en-US" sz="3200" dirty="0"/>
@@ -5822,13 +5853,6 @@
   <p:clrMapOvr>
     <a:masterClrMapping/>
   </p:clrMapOvr>
-  <p:timing>
-    <p:tnLst>
-      <p:par>
-        <p:cTn id="1" dur="indefinite" restart="never" nodeType="tmRoot"/>
-      </p:par>
-    </p:tnLst>
-  </p:timing>
 </p:sld>
 </file>
 
@@ -5865,7 +5889,7 @@
           <a:lstStyle/>
           <a:p>
             <a:r>
-              <a:rPr lang="en-US" altLang="ko-KR" dirty="0" smtClean="0"/>
+              <a:rPr lang="en-US" altLang="ko-KR" dirty="0"/>
               <a:t>banner</a:t>
             </a:r>
             <a:endParaRPr lang="ko-KR" altLang="en-US" dirty="0"/>
@@ -5888,10 +5912,9 @@
           <a:lstStyle/>
           <a:p>
             <a:r>
-              <a:rPr lang="ko-KR" altLang="en-US" dirty="0" smtClean="0"/>
+              <a:rPr lang="ko-KR" altLang="en-US" dirty="0"/>
               <a:t>라우터나 스위치에 접속하는 사용자에게 보여주기 위한 메시지를 생성하는 명령어</a:t>
             </a:r>
-            <a:endParaRPr lang="ko-KR" altLang="en-US" dirty="0"/>
           </a:p>
         </p:txBody>
       </p:sp>
@@ -5975,13 +5998,6 @@
   <p:clrMapOvr>
     <a:masterClrMapping/>
   </p:clrMapOvr>
-  <p:timing>
-    <p:tnLst>
-      <p:par>
-        <p:cTn id="1" dur="indefinite" restart="never" nodeType="tmRoot"/>
-      </p:par>
-    </p:tnLst>
-  </p:timing>
 </p:sld>
 </file>
 
@@ -6018,7 +6034,7 @@
           <a:lstStyle/>
           <a:p>
             <a:r>
-              <a:rPr lang="ko-KR" altLang="en-US" dirty="0" err="1" smtClean="0"/>
+              <a:rPr lang="ko-KR" altLang="en-US" dirty="0" err="1"/>
               <a:t>메트릭</a:t>
             </a:r>
             <a:endParaRPr lang="ko-KR" altLang="en-US" dirty="0"/>
@@ -6041,32 +6057,27 @@
           <a:lstStyle/>
           <a:p>
             <a:r>
-              <a:rPr lang="ko-KR" altLang="en-US" dirty="0" smtClean="0"/>
+              <a:rPr lang="ko-KR" altLang="en-US" dirty="0"/>
               <a:t>라우팅 프로토콜들이 최적의 경로를 선택하는 기준을 의미하는 용어</a:t>
             </a:r>
-            <a:endParaRPr lang="en-US" altLang="ko-KR" dirty="0" smtClean="0"/>
-          </a:p>
-          <a:p>
             <a:endParaRPr lang="en-US" altLang="ko-KR" dirty="0"/>
           </a:p>
           <a:p>
-            <a:r>
-              <a:rPr lang="en-US" altLang="ko-KR" dirty="0" smtClean="0"/>
+            <a:endParaRPr lang="en-US" altLang="ko-KR" dirty="0"/>
+          </a:p>
+          <a:p>
+            <a:r>
+              <a:rPr lang="en-US" altLang="ko-KR" dirty="0"/>
               <a:t>RIP </a:t>
             </a:r>
             <a:r>
-              <a:rPr lang="ko-KR" altLang="en-US" dirty="0" smtClean="0"/>
-              <a:t>라우팅 프로토콜에서 </a:t>
-            </a:r>
-            <a:r>
-              <a:rPr lang="ko-KR" altLang="en-US" dirty="0" smtClean="0"/>
-              <a:t>홉</a:t>
-            </a:r>
-            <a:r>
-              <a:rPr lang="en-US" altLang="ko-KR" dirty="0" smtClean="0"/>
+              <a:rPr lang="ko-KR" altLang="en-US" dirty="0"/>
+              <a:t>라우팅 프로토콜에서 홉</a:t>
+            </a:r>
+            <a:r>
+              <a:rPr lang="en-US" altLang="ko-KR" dirty="0"/>
               <a:t>(HOP)</a:t>
             </a:r>
-            <a:endParaRPr lang="en-US" altLang="ko-KR" dirty="0" smtClean="0"/>
           </a:p>
           <a:p>
             <a:endParaRPr lang="en-US" altLang="ko-KR" dirty="0"/>
@@ -6156,13 +6167,6 @@
   <p:clrMapOvr>
     <a:masterClrMapping/>
   </p:clrMapOvr>
-  <p:timing>
-    <p:tnLst>
-      <p:par>
-        <p:cTn id="1" dur="indefinite" restart="never" nodeType="tmRoot"/>
-      </p:par>
-    </p:tnLst>
-  </p:timing>
 </p:sld>
 </file>
 
